--- a/Python_разработка_для_БПЛА_паттерны_проектирования,_API_интерфейсы+(6) [Автосохраненный].pptx
+++ b/Python_разработка_для_БПЛА_паттерны_проектирования,_API_интерфейсы+(6) [Автосохраненный].pptx
@@ -1029,7 +1029,7 @@
         </p:nvSpPr>
         <p:spPr>
           <a:xfrm>
-            <a:off x="381300" y="685800"/>
+            <a:off x="381000" y="685800"/>
             <a:ext cx="6096000" cy="3429000"/>
           </a:xfrm>
           <a:custGeom>
@@ -11320,14 +11320,14 @@
       </p:sp>
       <p:sp>
         <p:nvSpPr>
-          <p:cNvPr id="136" name="Google Shape;136;g2bd0017381e_1_14"/>
+          <p:cNvPr id="6" name="Google Shape;112;g2bd0017381e_1_42"/>
           <p:cNvSpPr txBox="1"/>
           <p:nvPr/>
         </p:nvSpPr>
         <p:spPr>
           <a:xfrm>
-            <a:off x="311700" y="832700"/>
-            <a:ext cx="4913400" cy="346200"/>
+            <a:off x="900441" y="1081371"/>
+            <a:ext cx="3428700" cy="3877954"/>
           </a:xfrm>
           <a:prstGeom prst="rect">
             <a:avLst/>
@@ -11343,40 +11343,1858 @@
           </a:bodyPr>
           <a:lstStyle/>
           <a:p>
-            <a:pPr marL="0" marR="0" lvl="0" indent="0" algn="l" rtl="0">
-              <a:lnSpc>
-                <a:spcPct val="115000"/>
-              </a:lnSpc>
-              <a:spcBef>
-                <a:spcPts val="1200"/>
-              </a:spcBef>
-              <a:spcAft>
-                <a:spcPts val="1200"/>
-              </a:spcAft>
-              <a:buClr>
-                <a:srgbClr val="000000"/>
-              </a:buClr>
-              <a:buSzPts val="1050"/>
-              <a:buFont typeface="Arial"/>
-              <a:buNone/>
-            </a:pPr>
-            <a:r>
-              <a:rPr lang="ru" sz="1050" b="1" i="1" u="none" strike="noStrike" cap="none">
-                <a:solidFill>
-                  <a:srgbClr val="11696D"/>
-                </a:solidFill>
-                <a:latin typeface="Montserrat"/>
-                <a:ea typeface="Montserrat"/>
-                <a:cs typeface="Montserrat"/>
-                <a:sym typeface="Montserrat"/>
-              </a:rPr>
-              <a:t>Описание</a:t>
-            </a:r>
-            <a:endParaRPr sz="1050" b="1" i="1" u="none" strike="noStrike" cap="none">
+            <a:r>
+              <a:rPr lang="en-US" sz="600" b="1" dirty="0" smtClean="0">
+                <a:solidFill>
+                  <a:srgbClr val="0070C0"/>
+                </a:solidFill>
+                <a:latin typeface="+mn-lt"/>
+                <a:ea typeface="Montserrat"/>
+                <a:cs typeface="Montserrat"/>
+                <a:sym typeface="Montserrat"/>
+              </a:rPr>
+              <a:t>_     ._   __/__   _ _  _  _ _/_   Recorded: 19:44:58  Samples:  1266</a:t>
+            </a:r>
+          </a:p>
+          <a:p>
+            <a:r>
+              <a:rPr lang="en-US" sz="600" b="1" dirty="0" smtClean="0">
+                <a:solidFill>
+                  <a:srgbClr val="0070C0"/>
+                </a:solidFill>
+                <a:latin typeface="+mn-lt"/>
+                <a:ea typeface="Montserrat"/>
+                <a:cs typeface="Montserrat"/>
+                <a:sym typeface="Montserrat"/>
+              </a:rPr>
+              <a:t> </a:t>
+            </a:r>
+            <a:r>
+              <a:rPr lang="en-US" sz="600" b="1" dirty="0">
+                <a:solidFill>
+                  <a:srgbClr val="0070C0"/>
+                </a:solidFill>
+                <a:latin typeface="+mn-lt"/>
+                <a:ea typeface="Montserrat"/>
+                <a:cs typeface="Montserrat"/>
+                <a:sym typeface="Montserrat"/>
+              </a:rPr>
+              <a:t>/_//_/// /_\ / //_// / //_'/ //     Duration: 8.416     CPU time: 5.047</a:t>
+            </a:r>
+          </a:p>
+          <a:p>
+            <a:r>
+              <a:rPr lang="en-US" sz="600" dirty="0">
+                <a:solidFill>
+                  <a:srgbClr val="0070C0"/>
+                </a:solidFill>
+                <a:latin typeface="+mn-lt"/>
+                <a:ea typeface="Montserrat"/>
+                <a:cs typeface="Montserrat"/>
+                <a:sym typeface="Montserrat"/>
+              </a:rPr>
+              <a:t>/   _/                      v4.7.3</a:t>
+            </a:r>
+          </a:p>
+          <a:p>
+            <a:endParaRPr lang="en-US" sz="600" dirty="0">
               <a:solidFill>
-                <a:srgbClr val="11696D"/>
+                <a:srgbClr val="0070C0"/>
               </a:solidFill>
-              <a:latin typeface="Montserrat"/>
+              <a:latin typeface="+mn-lt"/>
+              <a:ea typeface="Montserrat"/>
+              <a:cs typeface="Montserrat"/>
+              <a:sym typeface="Montserrat"/>
+            </a:endParaRPr>
+          </a:p>
+          <a:p>
+            <a:r>
+              <a:rPr lang="en-US" sz="600" dirty="0">
+                <a:solidFill>
+                  <a:srgbClr val="0070C0"/>
+                </a:solidFill>
+                <a:latin typeface="+mn-lt"/>
+                <a:ea typeface="Montserrat"/>
+                <a:cs typeface="Montserrat"/>
+                <a:sym typeface="Montserrat"/>
+              </a:rPr>
+              <a:t>Profile at D:\Programming\Python\PAS\Diploma2\cameras.py:48</a:t>
+            </a:r>
+          </a:p>
+          <a:p>
+            <a:endParaRPr lang="en-US" sz="600" dirty="0">
+              <a:solidFill>
+                <a:srgbClr val="0070C0"/>
+              </a:solidFill>
+              <a:latin typeface="+mn-lt"/>
+              <a:ea typeface="Montserrat"/>
+              <a:cs typeface="Montserrat"/>
+              <a:sym typeface="Montserrat"/>
+            </a:endParaRPr>
+          </a:p>
+          <a:p>
+            <a:r>
+              <a:rPr lang="en-US" sz="600" dirty="0">
+                <a:solidFill>
+                  <a:srgbClr val="0070C0"/>
+                </a:solidFill>
+                <a:latin typeface="+mn-lt"/>
+                <a:ea typeface="Montserrat"/>
+                <a:cs typeface="Montserrat"/>
+                <a:sym typeface="Montserrat"/>
+              </a:rPr>
+              <a:t>8.416 Camera1.start  cameras.py:46</a:t>
+            </a:r>
+          </a:p>
+          <a:p>
+            <a:r>
+              <a:rPr lang="en-US" sz="600" dirty="0">
+                <a:solidFill>
+                  <a:srgbClr val="0070C0"/>
+                </a:solidFill>
+                <a:latin typeface="+mn-lt"/>
+                <a:ea typeface="Montserrat"/>
+                <a:cs typeface="Montserrat"/>
+                <a:sym typeface="Montserrat"/>
+              </a:rPr>
+              <a:t>├─ 3.303 sleep  &lt;built-in&gt;</a:t>
+            </a:r>
+          </a:p>
+          <a:p>
+            <a:r>
+              <a:rPr lang="en-US" sz="600" dirty="0">
+                <a:solidFill>
+                  <a:srgbClr val="0070C0"/>
+                </a:solidFill>
+                <a:latin typeface="+mn-lt"/>
+                <a:ea typeface="Montserrat"/>
+                <a:cs typeface="Montserrat"/>
+                <a:sym typeface="Montserrat"/>
+              </a:rPr>
+              <a:t>├─ 2.251 [self]  cameras.py</a:t>
+            </a:r>
+          </a:p>
+          <a:p>
+            <a:r>
+              <a:rPr lang="en-US" sz="600" dirty="0">
+                <a:solidFill>
+                  <a:srgbClr val="0070C0"/>
+                </a:solidFill>
+                <a:latin typeface="+mn-lt"/>
+                <a:ea typeface="Montserrat"/>
+                <a:cs typeface="Montserrat"/>
+                <a:sym typeface="Montserrat"/>
+              </a:rPr>
+              <a:t>├─ 1.238 Camera1.detect_obstacle  cameras.py:80</a:t>
+            </a:r>
+          </a:p>
+          <a:p>
+            <a:r>
+              <a:rPr lang="en-US" sz="600" dirty="0">
+                <a:solidFill>
+                  <a:srgbClr val="0070C0"/>
+                </a:solidFill>
+                <a:latin typeface="+mn-lt"/>
+                <a:ea typeface="Montserrat"/>
+                <a:cs typeface="Montserrat"/>
+                <a:sym typeface="Montserrat"/>
+              </a:rPr>
+              <a:t>│  └─ 1.161 Camera1.send_alert_to_server  cameras.py:87</a:t>
+            </a:r>
+          </a:p>
+          <a:p>
+            <a:r>
+              <a:rPr lang="en-US" sz="600" dirty="0">
+                <a:solidFill>
+                  <a:srgbClr val="0070C0"/>
+                </a:solidFill>
+                <a:latin typeface="+mn-lt"/>
+                <a:ea typeface="Montserrat"/>
+                <a:cs typeface="Montserrat"/>
+                <a:sym typeface="Montserrat"/>
+              </a:rPr>
+              <a:t>│     └─ 1.111 post  requests\api.py:103</a:t>
+            </a:r>
+          </a:p>
+          <a:p>
+            <a:r>
+              <a:rPr lang="en-US" sz="600" dirty="0">
+                <a:solidFill>
+                  <a:srgbClr val="0070C0"/>
+                </a:solidFill>
+                <a:latin typeface="+mn-lt"/>
+                <a:ea typeface="Montserrat"/>
+                <a:cs typeface="Montserrat"/>
+                <a:sym typeface="Montserrat"/>
+              </a:rPr>
+              <a:t>│        └─ 1.110 request  requests\api.py:14</a:t>
+            </a:r>
+          </a:p>
+          <a:p>
+            <a:r>
+              <a:rPr lang="en-US" sz="600" dirty="0">
+                <a:solidFill>
+                  <a:srgbClr val="0070C0"/>
+                </a:solidFill>
+                <a:latin typeface="+mn-lt"/>
+                <a:ea typeface="Montserrat"/>
+                <a:cs typeface="Montserrat"/>
+                <a:sym typeface="Montserrat"/>
+              </a:rPr>
+              <a:t>│           └─ 1.046 </a:t>
+            </a:r>
+            <a:r>
+              <a:rPr lang="en-US" sz="600" dirty="0" err="1">
+                <a:solidFill>
+                  <a:srgbClr val="0070C0"/>
+                </a:solidFill>
+                <a:latin typeface="+mn-lt"/>
+                <a:ea typeface="Montserrat"/>
+                <a:cs typeface="Montserrat"/>
+                <a:sym typeface="Montserrat"/>
+              </a:rPr>
+              <a:t>Session.request</a:t>
+            </a:r>
+            <a:r>
+              <a:rPr lang="en-US" sz="600" dirty="0">
+                <a:solidFill>
+                  <a:srgbClr val="0070C0"/>
+                </a:solidFill>
+                <a:latin typeface="+mn-lt"/>
+                <a:ea typeface="Montserrat"/>
+                <a:cs typeface="Montserrat"/>
+                <a:sym typeface="Montserrat"/>
+              </a:rPr>
+              <a:t>  requests\sessions.py:500</a:t>
+            </a:r>
+          </a:p>
+          <a:p>
+            <a:r>
+              <a:rPr lang="en-US" sz="600" dirty="0">
+                <a:solidFill>
+                  <a:srgbClr val="0070C0"/>
+                </a:solidFill>
+                <a:latin typeface="+mn-lt"/>
+                <a:ea typeface="Montserrat"/>
+                <a:cs typeface="Montserrat"/>
+                <a:sym typeface="Montserrat"/>
+              </a:rPr>
+              <a:t>│              ├─ 0.806 </a:t>
+            </a:r>
+            <a:r>
+              <a:rPr lang="en-US" sz="600" dirty="0" err="1">
+                <a:solidFill>
+                  <a:srgbClr val="0070C0"/>
+                </a:solidFill>
+                <a:latin typeface="+mn-lt"/>
+                <a:ea typeface="Montserrat"/>
+                <a:cs typeface="Montserrat"/>
+                <a:sym typeface="Montserrat"/>
+              </a:rPr>
+              <a:t>Session.send</a:t>
+            </a:r>
+            <a:r>
+              <a:rPr lang="en-US" sz="600" dirty="0">
+                <a:solidFill>
+                  <a:srgbClr val="0070C0"/>
+                </a:solidFill>
+                <a:latin typeface="+mn-lt"/>
+                <a:ea typeface="Montserrat"/>
+                <a:cs typeface="Montserrat"/>
+                <a:sym typeface="Montserrat"/>
+              </a:rPr>
+              <a:t>  requests\sessions.py:673</a:t>
+            </a:r>
+          </a:p>
+          <a:p>
+            <a:r>
+              <a:rPr lang="en-US" sz="600" dirty="0">
+                <a:solidFill>
+                  <a:srgbClr val="0070C0"/>
+                </a:solidFill>
+                <a:latin typeface="+mn-lt"/>
+                <a:ea typeface="Montserrat"/>
+                <a:cs typeface="Montserrat"/>
+                <a:sym typeface="Montserrat"/>
+              </a:rPr>
+              <a:t>│              │  └─ 0.745 </a:t>
+            </a:r>
+            <a:r>
+              <a:rPr lang="en-US" sz="600" dirty="0" err="1">
+                <a:solidFill>
+                  <a:srgbClr val="0070C0"/>
+                </a:solidFill>
+                <a:latin typeface="+mn-lt"/>
+                <a:ea typeface="Montserrat"/>
+                <a:cs typeface="Montserrat"/>
+                <a:sym typeface="Montserrat"/>
+              </a:rPr>
+              <a:t>HTTPAdapter.send</a:t>
+            </a:r>
+            <a:r>
+              <a:rPr lang="en-US" sz="600" dirty="0">
+                <a:solidFill>
+                  <a:srgbClr val="0070C0"/>
+                </a:solidFill>
+                <a:latin typeface="+mn-lt"/>
+                <a:ea typeface="Montserrat"/>
+                <a:cs typeface="Montserrat"/>
+                <a:sym typeface="Montserrat"/>
+              </a:rPr>
+              <a:t>  requests\adapters.py:613</a:t>
+            </a:r>
+          </a:p>
+          <a:p>
+            <a:r>
+              <a:rPr lang="en-US" sz="600" dirty="0">
+                <a:solidFill>
+                  <a:srgbClr val="0070C0"/>
+                </a:solidFill>
+                <a:latin typeface="+mn-lt"/>
+                <a:ea typeface="Montserrat"/>
+                <a:cs typeface="Montserrat"/>
+                <a:sym typeface="Montserrat"/>
+              </a:rPr>
+              <a:t>│              │     └─ 0.640 </a:t>
+            </a:r>
+            <a:r>
+              <a:rPr lang="en-US" sz="600" dirty="0" err="1">
+                <a:solidFill>
+                  <a:srgbClr val="0070C0"/>
+                </a:solidFill>
+                <a:latin typeface="+mn-lt"/>
+                <a:ea typeface="Montserrat"/>
+                <a:cs typeface="Montserrat"/>
+                <a:sym typeface="Montserrat"/>
+              </a:rPr>
+              <a:t>HTTPConnectionPool.urlopen</a:t>
+            </a:r>
+            <a:r>
+              <a:rPr lang="en-US" sz="600" dirty="0">
+                <a:solidFill>
+                  <a:srgbClr val="0070C0"/>
+                </a:solidFill>
+                <a:latin typeface="+mn-lt"/>
+                <a:ea typeface="Montserrat"/>
+                <a:cs typeface="Montserrat"/>
+                <a:sym typeface="Montserrat"/>
+              </a:rPr>
+              <a:t>  urllib3\connectionpool.py:594</a:t>
+            </a:r>
+          </a:p>
+          <a:p>
+            <a:r>
+              <a:rPr lang="en-US" sz="600" dirty="0">
+                <a:solidFill>
+                  <a:srgbClr val="0070C0"/>
+                </a:solidFill>
+                <a:latin typeface="+mn-lt"/>
+                <a:ea typeface="Montserrat"/>
+                <a:cs typeface="Montserrat"/>
+                <a:sym typeface="Montserrat"/>
+              </a:rPr>
+              <a:t>│              │        └─ 0.613 </a:t>
+            </a:r>
+            <a:r>
+              <a:rPr lang="en-US" sz="600" dirty="0" err="1">
+                <a:solidFill>
+                  <a:srgbClr val="0070C0"/>
+                </a:solidFill>
+                <a:latin typeface="+mn-lt"/>
+                <a:ea typeface="Montserrat"/>
+                <a:cs typeface="Montserrat"/>
+                <a:sym typeface="Montserrat"/>
+              </a:rPr>
+              <a:t>HTTPConnectionPool</a:t>
+            </a:r>
+            <a:r>
+              <a:rPr lang="en-US" sz="600" dirty="0">
+                <a:solidFill>
+                  <a:srgbClr val="0070C0"/>
+                </a:solidFill>
+                <a:latin typeface="+mn-lt"/>
+                <a:ea typeface="Montserrat"/>
+                <a:cs typeface="Montserrat"/>
+                <a:sym typeface="Montserrat"/>
+              </a:rPr>
+              <a:t>._</a:t>
+            </a:r>
+            <a:r>
+              <a:rPr lang="en-US" sz="600" dirty="0" err="1">
+                <a:solidFill>
+                  <a:srgbClr val="0070C0"/>
+                </a:solidFill>
+                <a:latin typeface="+mn-lt"/>
+                <a:ea typeface="Montserrat"/>
+                <a:cs typeface="Montserrat"/>
+                <a:sym typeface="Montserrat"/>
+              </a:rPr>
+              <a:t>make_request</a:t>
+            </a:r>
+            <a:r>
+              <a:rPr lang="en-US" sz="600" dirty="0">
+                <a:solidFill>
+                  <a:srgbClr val="0070C0"/>
+                </a:solidFill>
+                <a:latin typeface="+mn-lt"/>
+                <a:ea typeface="Montserrat"/>
+                <a:cs typeface="Montserrat"/>
+                <a:sym typeface="Montserrat"/>
+              </a:rPr>
+              <a:t>  urllib3\connectionpool.py:379</a:t>
+            </a:r>
+          </a:p>
+          <a:p>
+            <a:r>
+              <a:rPr lang="en-US" sz="600" dirty="0">
+                <a:solidFill>
+                  <a:srgbClr val="0070C0"/>
+                </a:solidFill>
+                <a:latin typeface="+mn-lt"/>
+                <a:ea typeface="Montserrat"/>
+                <a:cs typeface="Montserrat"/>
+                <a:sym typeface="Montserrat"/>
+              </a:rPr>
+              <a:t>│              │           ├─ 0.356 </a:t>
+            </a:r>
+            <a:r>
+              <a:rPr lang="en-US" sz="600" dirty="0" err="1">
+                <a:solidFill>
+                  <a:srgbClr val="0070C0"/>
+                </a:solidFill>
+                <a:latin typeface="+mn-lt"/>
+                <a:ea typeface="Montserrat"/>
+                <a:cs typeface="Montserrat"/>
+                <a:sym typeface="Montserrat"/>
+              </a:rPr>
+              <a:t>HTTPConnection.getresponse</a:t>
+            </a:r>
+            <a:r>
+              <a:rPr lang="en-US" sz="600" dirty="0">
+                <a:solidFill>
+                  <a:srgbClr val="0070C0"/>
+                </a:solidFill>
+                <a:latin typeface="+mn-lt"/>
+                <a:ea typeface="Montserrat"/>
+                <a:cs typeface="Montserrat"/>
+                <a:sym typeface="Montserrat"/>
+              </a:rPr>
+              <a:t>  urllib3\connection.py:438</a:t>
+            </a:r>
+          </a:p>
+          <a:p>
+            <a:r>
+              <a:rPr lang="en-US" sz="600" dirty="0">
+                <a:solidFill>
+                  <a:srgbClr val="0070C0"/>
+                </a:solidFill>
+                <a:latin typeface="+mn-lt"/>
+                <a:ea typeface="Montserrat"/>
+                <a:cs typeface="Montserrat"/>
+                <a:sym typeface="Montserrat"/>
+              </a:rPr>
+              <a:t>│              │           │  └─ 0.319 </a:t>
+            </a:r>
+            <a:r>
+              <a:rPr lang="en-US" sz="600" dirty="0" err="1">
+                <a:solidFill>
+                  <a:srgbClr val="0070C0"/>
+                </a:solidFill>
+                <a:latin typeface="+mn-lt"/>
+                <a:ea typeface="Montserrat"/>
+                <a:cs typeface="Montserrat"/>
+                <a:sym typeface="Montserrat"/>
+              </a:rPr>
+              <a:t>HTTPConnection.getresponse</a:t>
+            </a:r>
+            <a:r>
+              <a:rPr lang="en-US" sz="600" dirty="0">
+                <a:solidFill>
+                  <a:srgbClr val="0070C0"/>
+                </a:solidFill>
+                <a:latin typeface="+mn-lt"/>
+                <a:ea typeface="Montserrat"/>
+                <a:cs typeface="Montserrat"/>
+                <a:sym typeface="Montserrat"/>
+              </a:rPr>
+              <a:t>  http\client.py:1367</a:t>
+            </a:r>
+          </a:p>
+          <a:p>
+            <a:r>
+              <a:rPr lang="en-US" sz="600" dirty="0">
+                <a:solidFill>
+                  <a:srgbClr val="0070C0"/>
+                </a:solidFill>
+                <a:latin typeface="+mn-lt"/>
+                <a:ea typeface="Montserrat"/>
+                <a:cs typeface="Montserrat"/>
+                <a:sym typeface="Montserrat"/>
+              </a:rPr>
+              <a:t>│              │           │     └─ 0.313 </a:t>
+            </a:r>
+            <a:r>
+              <a:rPr lang="en-US" sz="600" dirty="0" err="1">
+                <a:solidFill>
+                  <a:srgbClr val="0070C0"/>
+                </a:solidFill>
+                <a:latin typeface="+mn-lt"/>
+                <a:ea typeface="Montserrat"/>
+                <a:cs typeface="Montserrat"/>
+                <a:sym typeface="Montserrat"/>
+              </a:rPr>
+              <a:t>HTTPResponse.begin</a:t>
+            </a:r>
+            <a:r>
+              <a:rPr lang="en-US" sz="600" dirty="0">
+                <a:solidFill>
+                  <a:srgbClr val="0070C0"/>
+                </a:solidFill>
+                <a:latin typeface="+mn-lt"/>
+                <a:ea typeface="Montserrat"/>
+                <a:cs typeface="Montserrat"/>
+                <a:sym typeface="Montserrat"/>
+              </a:rPr>
+              <a:t>  http\client.py:317</a:t>
+            </a:r>
+          </a:p>
+          <a:p>
+            <a:r>
+              <a:rPr lang="en-US" sz="600" dirty="0">
+                <a:solidFill>
+                  <a:srgbClr val="0070C0"/>
+                </a:solidFill>
+                <a:latin typeface="+mn-lt"/>
+                <a:ea typeface="Montserrat"/>
+                <a:cs typeface="Montserrat"/>
+                <a:sym typeface="Montserrat"/>
+              </a:rPr>
+              <a:t>│              │           │        └─ 0.282 </a:t>
+            </a:r>
+            <a:r>
+              <a:rPr lang="en-US" sz="600" dirty="0" err="1">
+                <a:solidFill>
+                  <a:srgbClr val="0070C0"/>
+                </a:solidFill>
+                <a:latin typeface="+mn-lt"/>
+                <a:ea typeface="Montserrat"/>
+                <a:cs typeface="Montserrat"/>
+                <a:sym typeface="Montserrat"/>
+              </a:rPr>
+              <a:t>HTTPResponse</a:t>
+            </a:r>
+            <a:r>
+              <a:rPr lang="en-US" sz="600" dirty="0">
+                <a:solidFill>
+                  <a:srgbClr val="0070C0"/>
+                </a:solidFill>
+                <a:latin typeface="+mn-lt"/>
+                <a:ea typeface="Montserrat"/>
+                <a:cs typeface="Montserrat"/>
+                <a:sym typeface="Montserrat"/>
+              </a:rPr>
+              <a:t>._</a:t>
+            </a:r>
+            <a:r>
+              <a:rPr lang="en-US" sz="600" dirty="0" err="1">
+                <a:solidFill>
+                  <a:srgbClr val="0070C0"/>
+                </a:solidFill>
+                <a:latin typeface="+mn-lt"/>
+                <a:ea typeface="Montserrat"/>
+                <a:cs typeface="Montserrat"/>
+                <a:sym typeface="Montserrat"/>
+              </a:rPr>
+              <a:t>read_status</a:t>
+            </a:r>
+            <a:r>
+              <a:rPr lang="en-US" sz="600" dirty="0">
+                <a:solidFill>
+                  <a:srgbClr val="0070C0"/>
+                </a:solidFill>
+                <a:latin typeface="+mn-lt"/>
+                <a:ea typeface="Montserrat"/>
+                <a:cs typeface="Montserrat"/>
+                <a:sym typeface="Montserrat"/>
+              </a:rPr>
+              <a:t>  http\client.py:284</a:t>
+            </a:r>
+          </a:p>
+          <a:p>
+            <a:r>
+              <a:rPr lang="en-US" sz="600" dirty="0">
+                <a:solidFill>
+                  <a:srgbClr val="0070C0"/>
+                </a:solidFill>
+                <a:latin typeface="+mn-lt"/>
+                <a:ea typeface="Montserrat"/>
+                <a:cs typeface="Montserrat"/>
+                <a:sym typeface="Montserrat"/>
+              </a:rPr>
+              <a:t>│              │           │           └─ 0.282 </a:t>
+            </a:r>
+            <a:r>
+              <a:rPr lang="en-US" sz="600" dirty="0" err="1">
+                <a:solidFill>
+                  <a:srgbClr val="0070C0"/>
+                </a:solidFill>
+                <a:latin typeface="+mn-lt"/>
+                <a:ea typeface="Montserrat"/>
+                <a:cs typeface="Montserrat"/>
+                <a:sym typeface="Montserrat"/>
+              </a:rPr>
+              <a:t>SocketIO.readinto</a:t>
+            </a:r>
+            <a:r>
+              <a:rPr lang="en-US" sz="600" dirty="0">
+                <a:solidFill>
+                  <a:srgbClr val="0070C0"/>
+                </a:solidFill>
+                <a:latin typeface="+mn-lt"/>
+                <a:ea typeface="Montserrat"/>
+                <a:cs typeface="Montserrat"/>
+                <a:sym typeface="Montserrat"/>
+              </a:rPr>
+              <a:t>  socket.py:693</a:t>
+            </a:r>
+          </a:p>
+          <a:p>
+            <a:r>
+              <a:rPr lang="en-US" sz="600" dirty="0">
+                <a:solidFill>
+                  <a:srgbClr val="0070C0"/>
+                </a:solidFill>
+                <a:latin typeface="+mn-lt"/>
+                <a:ea typeface="Montserrat"/>
+                <a:cs typeface="Montserrat"/>
+                <a:sym typeface="Montserrat"/>
+              </a:rPr>
+              <a:t>│              │           │              └─ 0.280 </a:t>
+            </a:r>
+            <a:r>
+              <a:rPr lang="en-US" sz="600" dirty="0" err="1">
+                <a:solidFill>
+                  <a:srgbClr val="0070C0"/>
+                </a:solidFill>
+                <a:latin typeface="+mn-lt"/>
+                <a:ea typeface="Montserrat"/>
+                <a:cs typeface="Montserrat"/>
+                <a:sym typeface="Montserrat"/>
+              </a:rPr>
+              <a:t>socket.recv_into</a:t>
+            </a:r>
+            <a:r>
+              <a:rPr lang="en-US" sz="600" dirty="0">
+                <a:solidFill>
+                  <a:srgbClr val="0070C0"/>
+                </a:solidFill>
+                <a:latin typeface="+mn-lt"/>
+                <a:ea typeface="Montserrat"/>
+                <a:cs typeface="Montserrat"/>
+                <a:sym typeface="Montserrat"/>
+              </a:rPr>
+              <a:t>  &lt;built-in&gt;</a:t>
+            </a:r>
+          </a:p>
+          <a:p>
+            <a:r>
+              <a:rPr lang="en-US" sz="600" dirty="0">
+                <a:solidFill>
+                  <a:srgbClr val="0070C0"/>
+                </a:solidFill>
+                <a:latin typeface="+mn-lt"/>
+                <a:ea typeface="Montserrat"/>
+                <a:cs typeface="Montserrat"/>
+                <a:sym typeface="Montserrat"/>
+              </a:rPr>
+              <a:t>│              │           └─ 0.254 </a:t>
+            </a:r>
+            <a:r>
+              <a:rPr lang="en-US" sz="600" dirty="0" err="1">
+                <a:solidFill>
+                  <a:srgbClr val="0070C0"/>
+                </a:solidFill>
+                <a:latin typeface="+mn-lt"/>
+                <a:ea typeface="Montserrat"/>
+                <a:cs typeface="Montserrat"/>
+                <a:sym typeface="Montserrat"/>
+              </a:rPr>
+              <a:t>HTTPConnection.request</a:t>
+            </a:r>
+            <a:r>
+              <a:rPr lang="en-US" sz="600" dirty="0">
+                <a:solidFill>
+                  <a:srgbClr val="0070C0"/>
+                </a:solidFill>
+                <a:latin typeface="+mn-lt"/>
+                <a:ea typeface="Montserrat"/>
+                <a:cs typeface="Montserrat"/>
+                <a:sym typeface="Montserrat"/>
+              </a:rPr>
+              <a:t>  urllib3\connection.py:322</a:t>
+            </a:r>
+          </a:p>
+          <a:p>
+            <a:r>
+              <a:rPr lang="en-US" sz="600" dirty="0">
+                <a:solidFill>
+                  <a:srgbClr val="0070C0"/>
+                </a:solidFill>
+                <a:latin typeface="+mn-lt"/>
+                <a:ea typeface="Montserrat"/>
+                <a:cs typeface="Montserrat"/>
+                <a:sym typeface="Montserrat"/>
+              </a:rPr>
+              <a:t>│              │              └─ 0.203 </a:t>
+            </a:r>
+            <a:r>
+              <a:rPr lang="en-US" sz="600" dirty="0" err="1">
+                <a:solidFill>
+                  <a:srgbClr val="0070C0"/>
+                </a:solidFill>
+                <a:latin typeface="+mn-lt"/>
+                <a:ea typeface="Montserrat"/>
+                <a:cs typeface="Montserrat"/>
+                <a:sym typeface="Montserrat"/>
+              </a:rPr>
+              <a:t>HTTPConnection.endheaders</a:t>
+            </a:r>
+            <a:r>
+              <a:rPr lang="en-US" sz="600" dirty="0">
+                <a:solidFill>
+                  <a:srgbClr val="0070C0"/>
+                </a:solidFill>
+                <a:latin typeface="+mn-lt"/>
+                <a:ea typeface="Montserrat"/>
+                <a:cs typeface="Montserrat"/>
+                <a:sym typeface="Montserrat"/>
+              </a:rPr>
+              <a:t>  http\client.py:1303</a:t>
+            </a:r>
+          </a:p>
+          <a:p>
+            <a:r>
+              <a:rPr lang="en-US" sz="600" dirty="0">
+                <a:solidFill>
+                  <a:srgbClr val="0070C0"/>
+                </a:solidFill>
+                <a:latin typeface="+mn-lt"/>
+                <a:ea typeface="Montserrat"/>
+                <a:cs typeface="Montserrat"/>
+                <a:sym typeface="Montserrat"/>
+              </a:rPr>
+              <a:t>│              │                 └─ 0.203 </a:t>
+            </a:r>
+            <a:r>
+              <a:rPr lang="en-US" sz="600" dirty="0" err="1">
+                <a:solidFill>
+                  <a:srgbClr val="0070C0"/>
+                </a:solidFill>
+                <a:latin typeface="+mn-lt"/>
+                <a:ea typeface="Montserrat"/>
+                <a:cs typeface="Montserrat"/>
+                <a:sym typeface="Montserrat"/>
+              </a:rPr>
+              <a:t>HTTPConnection</a:t>
+            </a:r>
+            <a:r>
+              <a:rPr lang="en-US" sz="600" dirty="0">
+                <a:solidFill>
+                  <a:srgbClr val="0070C0"/>
+                </a:solidFill>
+                <a:latin typeface="+mn-lt"/>
+                <a:ea typeface="Montserrat"/>
+                <a:cs typeface="Montserrat"/>
+                <a:sym typeface="Montserrat"/>
+              </a:rPr>
+              <a:t>._</a:t>
+            </a:r>
+            <a:r>
+              <a:rPr lang="en-US" sz="600" dirty="0" err="1">
+                <a:solidFill>
+                  <a:srgbClr val="0070C0"/>
+                </a:solidFill>
+                <a:latin typeface="+mn-lt"/>
+                <a:ea typeface="Montserrat"/>
+                <a:cs typeface="Montserrat"/>
+                <a:sym typeface="Montserrat"/>
+              </a:rPr>
+              <a:t>send_output</a:t>
+            </a:r>
+            <a:r>
+              <a:rPr lang="en-US" sz="600" dirty="0">
+                <a:solidFill>
+                  <a:srgbClr val="0070C0"/>
+                </a:solidFill>
+                <a:latin typeface="+mn-lt"/>
+                <a:ea typeface="Montserrat"/>
+                <a:cs typeface="Montserrat"/>
+                <a:sym typeface="Montserrat"/>
+              </a:rPr>
+              <a:t>  http\client.py:1065</a:t>
+            </a:r>
+          </a:p>
+          <a:p>
+            <a:r>
+              <a:rPr lang="en-US" sz="600" dirty="0">
+                <a:solidFill>
+                  <a:srgbClr val="0070C0"/>
+                </a:solidFill>
+                <a:latin typeface="+mn-lt"/>
+                <a:ea typeface="Montserrat"/>
+                <a:cs typeface="Montserrat"/>
+                <a:sym typeface="Montserrat"/>
+              </a:rPr>
+              <a:t>│              │                    └─ 0.201 </a:t>
+            </a:r>
+            <a:r>
+              <a:rPr lang="en-US" sz="600" dirty="0" err="1">
+                <a:solidFill>
+                  <a:srgbClr val="0070C0"/>
+                </a:solidFill>
+                <a:latin typeface="+mn-lt"/>
+                <a:ea typeface="Montserrat"/>
+                <a:cs typeface="Montserrat"/>
+                <a:sym typeface="Montserrat"/>
+              </a:rPr>
+              <a:t>HTTPConnection.send</a:t>
+            </a:r>
+            <a:r>
+              <a:rPr lang="en-US" sz="600" dirty="0">
+                <a:solidFill>
+                  <a:srgbClr val="0070C0"/>
+                </a:solidFill>
+                <a:latin typeface="+mn-lt"/>
+                <a:ea typeface="Montserrat"/>
+                <a:cs typeface="Montserrat"/>
+                <a:sym typeface="Montserrat"/>
+              </a:rPr>
+              <a:t>  http\client.py:1010</a:t>
+            </a:r>
+          </a:p>
+          <a:p>
+            <a:r>
+              <a:rPr lang="en-US" sz="600" dirty="0">
+                <a:solidFill>
+                  <a:srgbClr val="0070C0"/>
+                </a:solidFill>
+                <a:latin typeface="+mn-lt"/>
+                <a:ea typeface="Montserrat"/>
+                <a:cs typeface="Montserrat"/>
+                <a:sym typeface="Montserrat"/>
+              </a:rPr>
+              <a:t>│              │                       └─ 0.198 </a:t>
+            </a:r>
+            <a:r>
+              <a:rPr lang="en-US" sz="600" dirty="0" err="1">
+                <a:solidFill>
+                  <a:srgbClr val="0070C0"/>
+                </a:solidFill>
+                <a:latin typeface="+mn-lt"/>
+                <a:ea typeface="Montserrat"/>
+                <a:cs typeface="Montserrat"/>
+                <a:sym typeface="Montserrat"/>
+              </a:rPr>
+              <a:t>HTTPConnection.connect</a:t>
+            </a:r>
+            <a:r>
+              <a:rPr lang="en-US" sz="600" dirty="0">
+                <a:solidFill>
+                  <a:srgbClr val="0070C0"/>
+                </a:solidFill>
+                <a:latin typeface="+mn-lt"/>
+                <a:ea typeface="Montserrat"/>
+                <a:cs typeface="Montserrat"/>
+                <a:sym typeface="Montserrat"/>
+              </a:rPr>
+              <a:t>  urllib3\connection.py:235</a:t>
+            </a:r>
+          </a:p>
+          <a:p>
+            <a:r>
+              <a:rPr lang="en-US" sz="600" dirty="0">
+                <a:solidFill>
+                  <a:srgbClr val="0070C0"/>
+                </a:solidFill>
+                <a:latin typeface="+mn-lt"/>
+                <a:ea typeface="Montserrat"/>
+                <a:cs typeface="Montserrat"/>
+                <a:sym typeface="Montserrat"/>
+              </a:rPr>
+              <a:t>│              │                          └─ 0.198 </a:t>
+            </a:r>
+            <a:r>
+              <a:rPr lang="en-US" sz="600" dirty="0" err="1">
+                <a:solidFill>
+                  <a:srgbClr val="0070C0"/>
+                </a:solidFill>
+                <a:latin typeface="+mn-lt"/>
+                <a:ea typeface="Montserrat"/>
+                <a:cs typeface="Montserrat"/>
+                <a:sym typeface="Montserrat"/>
+              </a:rPr>
+              <a:t>HTTPConnection</a:t>
+            </a:r>
+            <a:r>
+              <a:rPr lang="en-US" sz="600" dirty="0">
+                <a:solidFill>
+                  <a:srgbClr val="0070C0"/>
+                </a:solidFill>
+                <a:latin typeface="+mn-lt"/>
+                <a:ea typeface="Montserrat"/>
+                <a:cs typeface="Montserrat"/>
+                <a:sym typeface="Montserrat"/>
+              </a:rPr>
+              <a:t>._</a:t>
+            </a:r>
+            <a:r>
+              <a:rPr lang="en-US" sz="600" dirty="0" err="1">
+                <a:solidFill>
+                  <a:srgbClr val="0070C0"/>
+                </a:solidFill>
+                <a:latin typeface="+mn-lt"/>
+                <a:ea typeface="Montserrat"/>
+                <a:cs typeface="Montserrat"/>
+                <a:sym typeface="Montserrat"/>
+              </a:rPr>
+              <a:t>new_conn</a:t>
+            </a:r>
+            <a:r>
+              <a:rPr lang="en-US" sz="600" dirty="0">
+                <a:solidFill>
+                  <a:srgbClr val="0070C0"/>
+                </a:solidFill>
+                <a:latin typeface="+mn-lt"/>
+                <a:ea typeface="Montserrat"/>
+                <a:cs typeface="Montserrat"/>
+                <a:sym typeface="Montserrat"/>
+              </a:rPr>
+              <a:t>  urllib3\connection.py:190</a:t>
+            </a:r>
+          </a:p>
+          <a:p>
+            <a:r>
+              <a:rPr lang="en-US" sz="600" dirty="0">
+                <a:solidFill>
+                  <a:srgbClr val="0070C0"/>
+                </a:solidFill>
+                <a:latin typeface="+mn-lt"/>
+                <a:ea typeface="Montserrat"/>
+                <a:cs typeface="Montserrat"/>
+                <a:sym typeface="Montserrat"/>
+              </a:rPr>
+              <a:t>│              │                             └─ 0.195 </a:t>
+            </a:r>
+            <a:r>
+              <a:rPr lang="en-US" sz="600" dirty="0" err="1">
+                <a:solidFill>
+                  <a:srgbClr val="0070C0"/>
+                </a:solidFill>
+                <a:latin typeface="+mn-lt"/>
+                <a:ea typeface="Montserrat"/>
+                <a:cs typeface="Montserrat"/>
+                <a:sym typeface="Montserrat"/>
+              </a:rPr>
+              <a:t>create_connection</a:t>
+            </a:r>
+            <a:r>
+              <a:rPr lang="en-US" sz="600" dirty="0">
+                <a:solidFill>
+                  <a:srgbClr val="0070C0"/>
+                </a:solidFill>
+                <a:latin typeface="+mn-lt"/>
+                <a:ea typeface="Montserrat"/>
+                <a:cs typeface="Montserrat"/>
+                <a:sym typeface="Montserrat"/>
+              </a:rPr>
+              <a:t>  urllib3\util\connection.py:27</a:t>
+            </a:r>
+          </a:p>
+          <a:p>
+            <a:r>
+              <a:rPr lang="en-US" sz="600" dirty="0">
+                <a:solidFill>
+                  <a:srgbClr val="0070C0"/>
+                </a:solidFill>
+                <a:latin typeface="+mn-lt"/>
+                <a:ea typeface="Montserrat"/>
+                <a:cs typeface="Montserrat"/>
+                <a:sym typeface="Montserrat"/>
+              </a:rPr>
+              <a:t>│              │                                └─ 0.125 </a:t>
+            </a:r>
+            <a:r>
+              <a:rPr lang="en-US" sz="600" dirty="0" err="1">
+                <a:solidFill>
+                  <a:srgbClr val="0070C0"/>
+                </a:solidFill>
+                <a:latin typeface="+mn-lt"/>
+                <a:ea typeface="Montserrat"/>
+                <a:cs typeface="Montserrat"/>
+                <a:sym typeface="Montserrat"/>
+              </a:rPr>
+              <a:t>getaddrinfo</a:t>
+            </a:r>
+            <a:r>
+              <a:rPr lang="en-US" sz="600" dirty="0">
+                <a:solidFill>
+                  <a:srgbClr val="0070C0"/>
+                </a:solidFill>
+                <a:latin typeface="+mn-lt"/>
+                <a:ea typeface="Montserrat"/>
+                <a:cs typeface="Montserrat"/>
+                <a:sym typeface="Montserrat"/>
+              </a:rPr>
+              <a:t>  socket.py:946</a:t>
+            </a:r>
+          </a:p>
+          <a:p>
+            <a:r>
+              <a:rPr lang="en-US" sz="600" dirty="0">
+                <a:solidFill>
+                  <a:srgbClr val="0070C0"/>
+                </a:solidFill>
+                <a:latin typeface="+mn-lt"/>
+                <a:ea typeface="Montserrat"/>
+                <a:cs typeface="Montserrat"/>
+                <a:sym typeface="Montserrat"/>
+              </a:rPr>
+              <a:t>│              │                                   └─ 0.124 </a:t>
+            </a:r>
+            <a:r>
+              <a:rPr lang="en-US" sz="600" dirty="0" err="1">
+                <a:solidFill>
+                  <a:srgbClr val="0070C0"/>
+                </a:solidFill>
+                <a:latin typeface="+mn-lt"/>
+                <a:ea typeface="Montserrat"/>
+                <a:cs typeface="Montserrat"/>
+                <a:sym typeface="Montserrat"/>
+              </a:rPr>
+              <a:t>getaddrinfo</a:t>
+            </a:r>
+            <a:r>
+              <a:rPr lang="en-US" sz="600" dirty="0">
+                <a:solidFill>
+                  <a:srgbClr val="0070C0"/>
+                </a:solidFill>
+                <a:latin typeface="+mn-lt"/>
+                <a:ea typeface="Montserrat"/>
+                <a:cs typeface="Montserrat"/>
+                <a:sym typeface="Montserrat"/>
+              </a:rPr>
+              <a:t>  &lt;built-in&gt;</a:t>
+            </a:r>
+          </a:p>
+          <a:p>
+            <a:r>
+              <a:rPr lang="en-US" sz="600" dirty="0">
+                <a:solidFill>
+                  <a:srgbClr val="0070C0"/>
+                </a:solidFill>
+                <a:latin typeface="+mn-lt"/>
+                <a:ea typeface="Montserrat"/>
+                <a:cs typeface="Montserrat"/>
+                <a:sym typeface="Montserrat"/>
+              </a:rPr>
+              <a:t>│              └─ 0.154 </a:t>
+            </a:r>
+            <a:r>
+              <a:rPr lang="en-US" sz="600" dirty="0" err="1">
+                <a:solidFill>
+                  <a:srgbClr val="0070C0"/>
+                </a:solidFill>
+                <a:latin typeface="+mn-lt"/>
+                <a:ea typeface="Montserrat"/>
+                <a:cs typeface="Montserrat"/>
+                <a:sym typeface="Montserrat"/>
+              </a:rPr>
+              <a:t>Session.prepare_request</a:t>
+            </a:r>
+            <a:r>
+              <a:rPr lang="en-US" sz="600" dirty="0">
+                <a:solidFill>
+                  <a:srgbClr val="0070C0"/>
+                </a:solidFill>
+                <a:latin typeface="+mn-lt"/>
+                <a:ea typeface="Montserrat"/>
+                <a:cs typeface="Montserrat"/>
+                <a:sym typeface="Montserrat"/>
+              </a:rPr>
+              <a:t>  requests\sessions.py:457</a:t>
+            </a:r>
+          </a:p>
+          <a:p>
+            <a:r>
+              <a:rPr lang="en-US" sz="600" dirty="0">
+                <a:solidFill>
+                  <a:srgbClr val="0070C0"/>
+                </a:solidFill>
+                <a:latin typeface="+mn-lt"/>
+                <a:ea typeface="Montserrat"/>
+                <a:cs typeface="Montserrat"/>
+                <a:sym typeface="Montserrat"/>
+              </a:rPr>
+              <a:t>├─ 0.576 </a:t>
+            </a:r>
+            <a:r>
+              <a:rPr lang="en-US" sz="600" dirty="0" err="1">
+                <a:solidFill>
+                  <a:srgbClr val="0070C0"/>
+                </a:solidFill>
+                <a:latin typeface="+mn-lt"/>
+                <a:ea typeface="Montserrat"/>
+                <a:cs typeface="Montserrat"/>
+                <a:sym typeface="Montserrat"/>
+              </a:rPr>
+              <a:t>VideoCapture.read</a:t>
+            </a:r>
+            <a:r>
+              <a:rPr lang="en-US" sz="600" dirty="0">
+                <a:solidFill>
+                  <a:srgbClr val="0070C0"/>
+                </a:solidFill>
+                <a:latin typeface="+mn-lt"/>
+                <a:ea typeface="Montserrat"/>
+                <a:cs typeface="Montserrat"/>
+                <a:sym typeface="Montserrat"/>
+              </a:rPr>
+              <a:t>  &lt;built-in&gt;</a:t>
+            </a:r>
+          </a:p>
+          <a:p>
+            <a:r>
+              <a:rPr lang="en-US" sz="600" dirty="0">
+                <a:solidFill>
+                  <a:srgbClr val="0070C0"/>
+                </a:solidFill>
+                <a:latin typeface="+mn-lt"/>
+                <a:ea typeface="Montserrat"/>
+                <a:cs typeface="Montserrat"/>
+                <a:sym typeface="Montserrat"/>
+              </a:rPr>
+              <a:t>├─ 0.432 </a:t>
+            </a:r>
+            <a:r>
+              <a:rPr lang="en-US" sz="600" dirty="0" err="1">
+                <a:solidFill>
+                  <a:srgbClr val="0070C0"/>
+                </a:solidFill>
+                <a:latin typeface="+mn-lt"/>
+                <a:ea typeface="Montserrat"/>
+                <a:cs typeface="Montserrat"/>
+                <a:sym typeface="Montserrat"/>
+              </a:rPr>
+              <a:t>waitKey</a:t>
+            </a:r>
+            <a:r>
+              <a:rPr lang="en-US" sz="600" dirty="0">
+                <a:solidFill>
+                  <a:srgbClr val="0070C0"/>
+                </a:solidFill>
+                <a:latin typeface="+mn-lt"/>
+                <a:ea typeface="Montserrat"/>
+                <a:cs typeface="Montserrat"/>
+                <a:sym typeface="Montserrat"/>
+              </a:rPr>
+              <a:t>  &lt;built-in&gt;</a:t>
+            </a:r>
+          </a:p>
+          <a:p>
+            <a:r>
+              <a:rPr lang="en-US" sz="600" dirty="0">
+                <a:solidFill>
+                  <a:srgbClr val="0070C0"/>
+                </a:solidFill>
+                <a:latin typeface="+mn-lt"/>
+                <a:ea typeface="Montserrat"/>
+                <a:cs typeface="Montserrat"/>
+                <a:sym typeface="Montserrat"/>
+              </a:rPr>
+              <a:t>├─ 0.263 </a:t>
+            </a:r>
+            <a:r>
+              <a:rPr lang="en-US" sz="600" dirty="0" err="1">
+                <a:solidFill>
+                  <a:srgbClr val="0070C0"/>
+                </a:solidFill>
+                <a:latin typeface="+mn-lt"/>
+                <a:ea typeface="Montserrat"/>
+                <a:cs typeface="Montserrat"/>
+                <a:sym typeface="Montserrat"/>
+              </a:rPr>
+              <a:t>VideoCapture.release</a:t>
+            </a:r>
+            <a:r>
+              <a:rPr lang="en-US" sz="600" dirty="0">
+                <a:solidFill>
+                  <a:srgbClr val="0070C0"/>
+                </a:solidFill>
+                <a:latin typeface="+mn-lt"/>
+                <a:ea typeface="Montserrat"/>
+                <a:cs typeface="Montserrat"/>
+                <a:sym typeface="Montserrat"/>
+              </a:rPr>
+              <a:t>  &lt;built-in&gt;</a:t>
+            </a:r>
+          </a:p>
+          <a:p>
+            <a:r>
+              <a:rPr lang="en-US" sz="600" dirty="0">
+                <a:solidFill>
+                  <a:srgbClr val="0070C0"/>
+                </a:solidFill>
+                <a:latin typeface="+mn-lt"/>
+                <a:ea typeface="Montserrat"/>
+                <a:cs typeface="Montserrat"/>
+                <a:sym typeface="Montserrat"/>
+              </a:rPr>
+              <a:t>├─ 0.151 </a:t>
+            </a:r>
+            <a:r>
+              <a:rPr lang="en-US" sz="600" dirty="0" err="1">
+                <a:solidFill>
+                  <a:srgbClr val="0070C0"/>
+                </a:solidFill>
+                <a:latin typeface="+mn-lt"/>
+                <a:ea typeface="Montserrat"/>
+                <a:cs typeface="Montserrat"/>
+                <a:sym typeface="Montserrat"/>
+              </a:rPr>
+              <a:t>imshow</a:t>
+            </a:r>
+            <a:r>
+              <a:rPr lang="en-US" sz="600" dirty="0">
+                <a:solidFill>
+                  <a:srgbClr val="0070C0"/>
+                </a:solidFill>
+                <a:latin typeface="+mn-lt"/>
+                <a:ea typeface="Montserrat"/>
+                <a:cs typeface="Montserrat"/>
+                <a:sym typeface="Montserrat"/>
+              </a:rPr>
+              <a:t>  &lt;built-in&gt;</a:t>
+            </a:r>
+          </a:p>
+          <a:p>
+            <a:r>
+              <a:rPr lang="en-US" sz="600" dirty="0">
+                <a:solidFill>
+                  <a:srgbClr val="0070C0"/>
+                </a:solidFill>
+                <a:latin typeface="+mn-lt"/>
+                <a:ea typeface="Montserrat"/>
+                <a:cs typeface="Montserrat"/>
+                <a:sym typeface="Montserrat"/>
+              </a:rPr>
+              <a:t>└─ 0.133 Camera1.process_frame  </a:t>
+            </a:r>
+            <a:r>
+              <a:rPr lang="en-US" sz="600" dirty="0" smtClean="0">
+                <a:solidFill>
+                  <a:srgbClr val="0070C0"/>
+                </a:solidFill>
+                <a:latin typeface="+mn-lt"/>
+                <a:ea typeface="Montserrat"/>
+                <a:cs typeface="Montserrat"/>
+                <a:sym typeface="Montserrat"/>
+              </a:rPr>
+              <a:t>cameras.py:73</a:t>
+            </a:r>
+            <a:endParaRPr lang="ru-RU" sz="600" u="none" strike="noStrike" cap="none" dirty="0" smtClean="0">
+              <a:solidFill>
+                <a:srgbClr val="0070C0"/>
+              </a:solidFill>
+              <a:latin typeface="+mn-lt"/>
+              <a:ea typeface="Montserrat"/>
+              <a:cs typeface="Montserrat"/>
+              <a:sym typeface="Montserrat"/>
+            </a:endParaRPr>
+          </a:p>
+        </p:txBody>
+      </p:sp>
+      <p:sp>
+        <p:nvSpPr>
+          <p:cNvPr id="8" name="Google Shape;120;g2962aafab79_0_12"/>
+          <p:cNvSpPr txBox="1"/>
+          <p:nvPr/>
+        </p:nvSpPr>
+        <p:spPr>
+          <a:xfrm>
+            <a:off x="340274" y="505436"/>
+            <a:ext cx="8460826" cy="738633"/>
+          </a:xfrm>
+          <a:prstGeom prst="rect">
+            <a:avLst/>
+          </a:prstGeom>
+          <a:noFill/>
+          <a:ln>
+            <a:noFill/>
+          </a:ln>
+        </p:spPr>
+        <p:txBody>
+          <a:bodyPr spcFirstLastPara="1" wrap="square" lIns="91425" tIns="91425" rIns="91425" bIns="91425" anchor="t" anchorCtr="0">
+            <a:spAutoFit/>
+          </a:bodyPr>
+          <a:lstStyle/>
+          <a:p>
+            <a:r>
+              <a:rPr lang="en-US" sz="1200" b="1" dirty="0" err="1">
+                <a:solidFill>
+                  <a:schemeClr val="tx1"/>
+                </a:solidFill>
+              </a:rPr>
+              <a:t>pyinstrument</a:t>
+            </a:r>
+            <a:r>
+              <a:rPr lang="ru-RU" sz="1200" dirty="0">
+                <a:solidFill>
+                  <a:schemeClr val="tx1"/>
+                </a:solidFill>
+              </a:rPr>
+              <a:t> </a:t>
+            </a:r>
+            <a:r>
+              <a:rPr lang="ru-RU" sz="1200" dirty="0" smtClean="0">
+                <a:solidFill>
+                  <a:schemeClr val="tx1"/>
+                </a:solidFill>
+              </a:rPr>
+              <a:t>-</a:t>
+            </a:r>
+            <a:r>
+              <a:rPr lang="en-US" sz="1200" dirty="0" smtClean="0">
+                <a:solidFill>
+                  <a:schemeClr val="tx1"/>
+                </a:solidFill>
+              </a:rPr>
+              <a:t> </a:t>
+            </a:r>
+            <a:r>
+              <a:rPr lang="ru-RU" sz="1200" dirty="0" smtClean="0"/>
+              <a:t>статистический </a:t>
+            </a:r>
+            <a:r>
+              <a:rPr lang="ru-RU" sz="1200" dirty="0"/>
+              <a:t>профайлер</a:t>
+            </a:r>
+            <a:r>
+              <a:rPr lang="ru-RU" sz="1200" dirty="0">
+                <a:solidFill>
+                  <a:schemeClr val="tx1"/>
+                </a:solidFill>
+              </a:rPr>
+              <a:t>. </a:t>
+            </a:r>
+            <a:r>
+              <a:rPr lang="ru-RU" sz="1200" dirty="0" smtClean="0">
+                <a:solidFill>
+                  <a:schemeClr val="tx1"/>
+                </a:solidFill>
+              </a:rPr>
+              <a:t>Собирает </a:t>
+            </a:r>
+            <a:r>
+              <a:rPr lang="ru-RU" sz="1200" dirty="0">
+                <a:solidFill>
+                  <a:schemeClr val="tx1"/>
+                </a:solidFill>
+              </a:rPr>
+              <a:t>данные о времени выполнения каждой функции, что позволяет </a:t>
+            </a:r>
+            <a:r>
+              <a:rPr lang="ru-RU" sz="1200" dirty="0" smtClean="0">
+                <a:solidFill>
+                  <a:schemeClr val="tx1"/>
+                </a:solidFill>
+              </a:rPr>
+              <a:t>увидеть</a:t>
+            </a:r>
+            <a:r>
+              <a:rPr lang="ru-RU" sz="1200" dirty="0">
+                <a:solidFill>
+                  <a:schemeClr val="tx1"/>
+                </a:solidFill>
+              </a:rPr>
+              <a:t>, сколько времени было затрачено на каждую часть </a:t>
+            </a:r>
+            <a:r>
+              <a:rPr lang="ru-RU" sz="1200" dirty="0" smtClean="0">
+                <a:solidFill>
+                  <a:schemeClr val="tx1"/>
+                </a:solidFill>
+              </a:rPr>
+              <a:t>кода. </a:t>
+            </a:r>
+            <a:endParaRPr lang="ru-RU" sz="1200" dirty="0">
+              <a:solidFill>
+                <a:schemeClr val="tx1"/>
+              </a:solidFill>
+            </a:endParaRPr>
+          </a:p>
+          <a:p>
+            <a:endParaRPr lang="ru-RU" sz="1200" dirty="0"/>
+          </a:p>
+        </p:txBody>
+      </p:sp>
+      <p:sp>
+        <p:nvSpPr>
+          <p:cNvPr id="9" name="Google Shape;112;g2bd0017381e_1_42"/>
+          <p:cNvSpPr txBox="1"/>
+          <p:nvPr/>
+        </p:nvSpPr>
+        <p:spPr>
+          <a:xfrm>
+            <a:off x="4846894" y="1838564"/>
+            <a:ext cx="3612056" cy="2816125"/>
+          </a:xfrm>
+          <a:prstGeom prst="rect">
+            <a:avLst/>
+          </a:prstGeom>
+          <a:noFill/>
+          <a:ln>
+            <a:noFill/>
+          </a:ln>
+        </p:spPr>
+        <p:txBody>
+          <a:bodyPr spcFirstLastPara="1" wrap="square" lIns="91425" tIns="91425" rIns="91425" bIns="91425" anchor="t" anchorCtr="0">
+            <a:spAutoFit/>
+          </a:bodyPr>
+          <a:lstStyle/>
+          <a:p>
+            <a:r>
+              <a:rPr lang="ru-RU" sz="1100" dirty="0">
+                <a:solidFill>
+                  <a:schemeClr val="tx1"/>
+                </a:solidFill>
+                <a:latin typeface="+mn-lt"/>
+                <a:ea typeface="Montserrat"/>
+                <a:cs typeface="Montserrat"/>
+                <a:sym typeface="Montserrat"/>
+              </a:rPr>
+              <a:t>▎</a:t>
+            </a:r>
+            <a:r>
+              <a:rPr lang="ru-RU" sz="1100" b="1" dirty="0">
+                <a:solidFill>
+                  <a:schemeClr val="tx1"/>
+                </a:solidFill>
+                <a:latin typeface="+mn-lt"/>
+                <a:ea typeface="Montserrat"/>
+                <a:cs typeface="Montserrat"/>
+                <a:sym typeface="Montserrat"/>
+              </a:rPr>
+              <a:t>Общая информация</a:t>
+            </a:r>
+          </a:p>
+          <a:p>
+            <a:r>
+              <a:rPr lang="ru-RU" sz="1100" dirty="0">
+                <a:solidFill>
+                  <a:schemeClr val="tx1"/>
+                </a:solidFill>
+                <a:latin typeface="+mn-lt"/>
+                <a:ea typeface="Montserrat"/>
+                <a:cs typeface="Montserrat"/>
+                <a:sym typeface="Montserrat"/>
+              </a:rPr>
+              <a:t>- </a:t>
+            </a:r>
+            <a:r>
+              <a:rPr lang="ru-RU" sz="1100" dirty="0" err="1">
+                <a:solidFill>
+                  <a:schemeClr val="tx1"/>
+                </a:solidFill>
+                <a:latin typeface="+mn-lt"/>
+                <a:ea typeface="Montserrat"/>
+                <a:cs typeface="Montserrat"/>
+                <a:sym typeface="Montserrat"/>
+              </a:rPr>
+              <a:t>Recorded</a:t>
+            </a:r>
+            <a:r>
+              <a:rPr lang="ru-RU" sz="1100" dirty="0">
+                <a:solidFill>
+                  <a:schemeClr val="tx1"/>
+                </a:solidFill>
+                <a:latin typeface="+mn-lt"/>
+                <a:ea typeface="Montserrat"/>
+                <a:cs typeface="Montserrat"/>
+                <a:sym typeface="Montserrat"/>
+              </a:rPr>
+              <a:t>: Время записи профиля (19:44:58).</a:t>
+            </a:r>
+          </a:p>
+          <a:p>
+            <a:r>
+              <a:rPr lang="ru-RU" sz="1100" dirty="0">
+                <a:solidFill>
+                  <a:schemeClr val="tx1"/>
+                </a:solidFill>
+                <a:latin typeface="+mn-lt"/>
+                <a:ea typeface="Montserrat"/>
+                <a:cs typeface="Montserrat"/>
+                <a:sym typeface="Montserrat"/>
+              </a:rPr>
+              <a:t>- </a:t>
+            </a:r>
+            <a:r>
+              <a:rPr lang="ru-RU" sz="1100" dirty="0" err="1">
+                <a:solidFill>
+                  <a:schemeClr val="tx1"/>
+                </a:solidFill>
+                <a:latin typeface="+mn-lt"/>
+                <a:ea typeface="Montserrat"/>
+                <a:cs typeface="Montserrat"/>
+                <a:sym typeface="Montserrat"/>
+              </a:rPr>
+              <a:t>Samples</a:t>
+            </a:r>
+            <a:r>
+              <a:rPr lang="ru-RU" sz="1100" dirty="0">
+                <a:solidFill>
+                  <a:schemeClr val="tx1"/>
+                </a:solidFill>
+                <a:latin typeface="+mn-lt"/>
+                <a:ea typeface="Montserrat"/>
+                <a:cs typeface="Montserrat"/>
+                <a:sym typeface="Montserrat"/>
+              </a:rPr>
+              <a:t>: Количество собранных образцов (1266).</a:t>
+            </a:r>
+          </a:p>
+          <a:p>
+            <a:r>
+              <a:rPr lang="ru-RU" sz="1100" dirty="0">
+                <a:solidFill>
+                  <a:schemeClr val="tx1"/>
+                </a:solidFill>
+                <a:latin typeface="+mn-lt"/>
+                <a:ea typeface="Montserrat"/>
+                <a:cs typeface="Montserrat"/>
+                <a:sym typeface="Montserrat"/>
+              </a:rPr>
+              <a:t>- </a:t>
+            </a:r>
+            <a:r>
+              <a:rPr lang="ru-RU" sz="1100" dirty="0" err="1">
+                <a:solidFill>
+                  <a:schemeClr val="tx1"/>
+                </a:solidFill>
+                <a:latin typeface="+mn-lt"/>
+                <a:ea typeface="Montserrat"/>
+                <a:cs typeface="Montserrat"/>
+                <a:sym typeface="Montserrat"/>
+              </a:rPr>
+              <a:t>Duration</a:t>
+            </a:r>
+            <a:r>
+              <a:rPr lang="ru-RU" sz="1100" dirty="0">
+                <a:solidFill>
+                  <a:schemeClr val="tx1"/>
+                </a:solidFill>
+                <a:latin typeface="+mn-lt"/>
+                <a:ea typeface="Montserrat"/>
+                <a:cs typeface="Montserrat"/>
+                <a:sym typeface="Montserrat"/>
+              </a:rPr>
+              <a:t>: Общее время выполнения (8.416 секунд).</a:t>
+            </a:r>
+          </a:p>
+          <a:p>
+            <a:r>
+              <a:rPr lang="ru-RU" sz="1100" dirty="0">
+                <a:solidFill>
+                  <a:schemeClr val="tx1"/>
+                </a:solidFill>
+                <a:latin typeface="+mn-lt"/>
+                <a:ea typeface="Montserrat"/>
+                <a:cs typeface="Montserrat"/>
+                <a:sym typeface="Montserrat"/>
+              </a:rPr>
+              <a:t>- CPU </a:t>
+            </a:r>
+            <a:r>
+              <a:rPr lang="ru-RU" sz="1100" dirty="0" err="1">
+                <a:solidFill>
+                  <a:schemeClr val="tx1"/>
+                </a:solidFill>
+                <a:latin typeface="+mn-lt"/>
+                <a:ea typeface="Montserrat"/>
+                <a:cs typeface="Montserrat"/>
+                <a:sym typeface="Montserrat"/>
+              </a:rPr>
+              <a:t>time</a:t>
+            </a:r>
+            <a:r>
+              <a:rPr lang="ru-RU" sz="1100" dirty="0">
+                <a:solidFill>
+                  <a:schemeClr val="tx1"/>
+                </a:solidFill>
+                <a:latin typeface="+mn-lt"/>
+                <a:ea typeface="Montserrat"/>
+                <a:cs typeface="Montserrat"/>
+                <a:sym typeface="Montserrat"/>
+              </a:rPr>
+              <a:t>: Общее время, затраченное на процессор (5.047 секунд).</a:t>
+            </a:r>
+          </a:p>
+          <a:p>
+            <a:r>
+              <a:rPr lang="ru-RU" sz="1100" dirty="0">
+                <a:solidFill>
+                  <a:schemeClr val="tx1"/>
+                </a:solidFill>
+                <a:latin typeface="+mn-lt"/>
+                <a:ea typeface="Montserrat"/>
+                <a:cs typeface="Montserrat"/>
+                <a:sym typeface="Montserrat"/>
+              </a:rPr>
+              <a:t>- </a:t>
+            </a:r>
+            <a:r>
+              <a:rPr lang="ru-RU" sz="1100" dirty="0" err="1">
+                <a:solidFill>
+                  <a:schemeClr val="tx1"/>
+                </a:solidFill>
+                <a:latin typeface="+mn-lt"/>
+                <a:ea typeface="Montserrat"/>
+                <a:cs typeface="Montserrat"/>
+                <a:sym typeface="Montserrat"/>
+              </a:rPr>
+              <a:t>Profile</a:t>
+            </a:r>
+            <a:r>
+              <a:rPr lang="ru-RU" sz="1100" dirty="0">
+                <a:solidFill>
+                  <a:schemeClr val="tx1"/>
+                </a:solidFill>
+                <a:latin typeface="+mn-lt"/>
+                <a:ea typeface="Montserrat"/>
+                <a:cs typeface="Montserrat"/>
+                <a:sym typeface="Montserrat"/>
+              </a:rPr>
+              <a:t> </a:t>
+            </a:r>
+            <a:r>
+              <a:rPr lang="ru-RU" sz="1100" dirty="0" err="1">
+                <a:solidFill>
+                  <a:schemeClr val="tx1"/>
+                </a:solidFill>
+                <a:latin typeface="+mn-lt"/>
+                <a:ea typeface="Montserrat"/>
+                <a:cs typeface="Montserrat"/>
+                <a:sym typeface="Montserrat"/>
+              </a:rPr>
+              <a:t>at</a:t>
+            </a:r>
+            <a:r>
+              <a:rPr lang="ru-RU" sz="1100" dirty="0">
+                <a:solidFill>
+                  <a:schemeClr val="tx1"/>
+                </a:solidFill>
+                <a:latin typeface="+mn-lt"/>
+                <a:ea typeface="Montserrat"/>
+                <a:cs typeface="Montserrat"/>
+                <a:sym typeface="Montserrat"/>
+              </a:rPr>
+              <a:t>: Указывает на файл и строку, где началось профилирование (cameras.py:48).</a:t>
+            </a:r>
+          </a:p>
+          <a:p>
+            <a:endParaRPr lang="ru-RU" sz="1100" dirty="0">
+              <a:solidFill>
+                <a:schemeClr val="tx1"/>
+              </a:solidFill>
+              <a:latin typeface="+mn-lt"/>
+              <a:ea typeface="Montserrat"/>
+              <a:cs typeface="Montserrat"/>
+              <a:sym typeface="Montserrat"/>
+            </a:endParaRPr>
+          </a:p>
+          <a:p>
+            <a:endParaRPr lang="ru-RU" sz="1100" dirty="0">
+              <a:solidFill>
+                <a:schemeClr val="tx1"/>
+              </a:solidFill>
+              <a:latin typeface="+mn-lt"/>
+              <a:ea typeface="Montserrat"/>
+              <a:cs typeface="Montserrat"/>
+              <a:sym typeface="Montserrat"/>
+            </a:endParaRPr>
+          </a:p>
+          <a:p>
+            <a:r>
+              <a:rPr lang="ru-RU" sz="1100" dirty="0" smtClean="0">
+                <a:solidFill>
+                  <a:schemeClr val="tx1"/>
+                </a:solidFill>
+                <a:latin typeface="+mn-lt"/>
+                <a:ea typeface="Montserrat"/>
+                <a:cs typeface="Montserrat"/>
+                <a:sym typeface="Montserrat"/>
+              </a:rPr>
+              <a:t>▎</a:t>
+            </a:r>
+            <a:r>
+              <a:rPr lang="ru-RU" sz="1100" b="1" dirty="0" smtClean="0">
+                <a:solidFill>
+                  <a:schemeClr val="tx1"/>
+                </a:solidFill>
+                <a:latin typeface="+mn-lt"/>
+                <a:ea typeface="Montserrat"/>
+                <a:cs typeface="Montserrat"/>
+                <a:sym typeface="Montserrat"/>
+              </a:rPr>
+              <a:t>Возможности:</a:t>
+            </a:r>
+            <a:endParaRPr lang="ru-RU" sz="1100" b="1" dirty="0">
+              <a:solidFill>
+                <a:schemeClr val="tx1"/>
+              </a:solidFill>
+              <a:latin typeface="+mn-lt"/>
+              <a:ea typeface="Montserrat"/>
+              <a:cs typeface="Montserrat"/>
+              <a:sym typeface="Montserrat"/>
+            </a:endParaRPr>
+          </a:p>
+          <a:p>
+            <a:r>
+              <a:rPr lang="ru-RU" sz="1100" dirty="0">
+                <a:solidFill>
+                  <a:schemeClr val="tx1"/>
+                </a:solidFill>
+                <a:latin typeface="+mn-lt"/>
+                <a:ea typeface="Montserrat"/>
+                <a:cs typeface="Montserrat"/>
+                <a:sym typeface="Montserrat"/>
+              </a:rPr>
+              <a:t>- </a:t>
+            </a:r>
+            <a:r>
+              <a:rPr lang="ru-RU" sz="1100" dirty="0" smtClean="0">
+                <a:solidFill>
+                  <a:schemeClr val="tx1"/>
+                </a:solidFill>
+                <a:latin typeface="+mn-lt"/>
+                <a:ea typeface="Montserrat"/>
+                <a:cs typeface="Montserrat"/>
+                <a:sym typeface="Montserrat"/>
+              </a:rPr>
+              <a:t>Оптимизация сетевых запросов </a:t>
+            </a:r>
+            <a:r>
+              <a:rPr lang="ru-RU" sz="1100" dirty="0">
+                <a:solidFill>
+                  <a:schemeClr val="tx1"/>
+                </a:solidFill>
+                <a:latin typeface="+mn-lt"/>
+                <a:ea typeface="Montserrat"/>
+                <a:cs typeface="Montserrat"/>
+                <a:sym typeface="Montserrat"/>
+              </a:rPr>
+              <a:t>с помощью асинхронного программирования или уменьшения частоты отправки </a:t>
+            </a:r>
+            <a:r>
+              <a:rPr lang="ru-RU" sz="1100" dirty="0" smtClean="0">
+                <a:solidFill>
+                  <a:schemeClr val="tx1"/>
+                </a:solidFill>
+                <a:latin typeface="+mn-lt"/>
+                <a:ea typeface="Montserrat"/>
+                <a:cs typeface="Montserrat"/>
+                <a:sym typeface="Montserrat"/>
+              </a:rPr>
+              <a:t>уведомлений.</a:t>
+            </a:r>
+            <a:endParaRPr lang="ru-RU" sz="1100" dirty="0">
+              <a:solidFill>
+                <a:schemeClr val="tx1"/>
+              </a:solidFill>
+              <a:latin typeface="+mn-lt"/>
+              <a:ea typeface="Montserrat"/>
+              <a:cs typeface="Montserrat"/>
+              <a:sym typeface="Montserrat"/>
+            </a:endParaRPr>
+          </a:p>
+          <a:p>
+            <a:r>
+              <a:rPr lang="ru-RU" sz="1100" dirty="0">
+                <a:solidFill>
+                  <a:schemeClr val="tx1"/>
+                </a:solidFill>
+                <a:latin typeface="+mn-lt"/>
+                <a:ea typeface="Montserrat"/>
+                <a:cs typeface="Montserrat"/>
+                <a:sym typeface="Montserrat"/>
+              </a:rPr>
+              <a:t>- </a:t>
+            </a:r>
+            <a:r>
+              <a:rPr lang="ru-RU" sz="1100" dirty="0" smtClean="0">
+                <a:solidFill>
+                  <a:schemeClr val="tx1"/>
+                </a:solidFill>
+                <a:latin typeface="+mn-lt"/>
+                <a:ea typeface="Montserrat"/>
+                <a:cs typeface="Montserrat"/>
+                <a:sym typeface="Montserrat"/>
+              </a:rPr>
+              <a:t>Отрегулировать задержки </a:t>
+            </a:r>
+            <a:r>
+              <a:rPr lang="ru-RU" sz="1100" dirty="0">
+                <a:solidFill>
+                  <a:schemeClr val="tx1"/>
+                </a:solidFill>
+                <a:latin typeface="+mn-lt"/>
+                <a:ea typeface="Montserrat"/>
+                <a:cs typeface="Montserrat"/>
+                <a:sym typeface="Montserrat"/>
+              </a:rPr>
+              <a:t>(</a:t>
+            </a:r>
+            <a:r>
+              <a:rPr lang="ru-RU" sz="1100" dirty="0" err="1">
+                <a:solidFill>
+                  <a:schemeClr val="tx1"/>
+                </a:solidFill>
+                <a:latin typeface="+mn-lt"/>
+                <a:ea typeface="Montserrat"/>
+                <a:cs typeface="Montserrat"/>
+                <a:sym typeface="Montserrat"/>
+              </a:rPr>
+              <a:t>sleep</a:t>
+            </a:r>
+            <a:r>
+              <a:rPr lang="ru-RU" sz="1100" dirty="0" smtClean="0">
+                <a:solidFill>
+                  <a:schemeClr val="tx1"/>
+                </a:solidFill>
+                <a:latin typeface="+mn-lt"/>
+                <a:ea typeface="Montserrat"/>
+                <a:cs typeface="Montserrat"/>
+                <a:sym typeface="Montserrat"/>
+              </a:rPr>
+              <a:t>).</a:t>
+            </a:r>
+            <a:r>
+              <a:rPr lang="ru-RU" sz="600" dirty="0" smtClean="0">
+                <a:solidFill>
+                  <a:srgbClr val="0070C0"/>
+                </a:solidFill>
+                <a:latin typeface="+mn-lt"/>
+                <a:ea typeface="Montserrat"/>
+                <a:cs typeface="Montserrat"/>
+                <a:sym typeface="Montserrat"/>
+              </a:rPr>
+              <a:t>.</a:t>
+            </a:r>
+            <a:endParaRPr lang="en-US" sz="600" dirty="0">
+              <a:solidFill>
+                <a:srgbClr val="0070C0"/>
+              </a:solidFill>
+              <a:latin typeface="+mn-lt"/>
               <a:ea typeface="Montserrat"/>
               <a:cs typeface="Montserrat"/>
               <a:sym typeface="Montserrat"/>
@@ -18259,7 +20077,7 @@
         <p:spPr>
           <a:xfrm>
             <a:off x="311699" y="832700"/>
-            <a:ext cx="8460826" cy="1107965"/>
+            <a:ext cx="8460826" cy="2215961"/>
           </a:xfrm>
           <a:prstGeom prst="rect">
             <a:avLst/>
@@ -18358,8 +20176,102 @@
             </a:r>
             <a:r>
               <a:rPr lang="ru-RU" sz="1200" dirty="0"/>
-              <a:t>ускорить дальнейшую обработку.</a:t>
-            </a:r>
+              <a:t>ускорить дальнейшую обработку</a:t>
+            </a:r>
+            <a:r>
+              <a:rPr lang="ru-RU" sz="1200" dirty="0" smtClean="0"/>
+              <a:t>.</a:t>
+            </a:r>
+            <a:endParaRPr lang="en-US" sz="1200" dirty="0" smtClean="0"/>
+          </a:p>
+          <a:p>
+            <a:endParaRPr lang="en-US" sz="1200" dirty="0"/>
+          </a:p>
+          <a:p>
+            <a:r>
+              <a:rPr lang="ru-RU" sz="1200" b="1" dirty="0"/>
+              <a:t>cv2.Canny()</a:t>
+            </a:r>
+            <a:r>
+              <a:rPr lang="ru-RU" sz="1200" dirty="0"/>
+              <a:t> </a:t>
+            </a:r>
+            <a:r>
+              <a:rPr lang="en-US" sz="1200" dirty="0" smtClean="0"/>
+              <a:t> - </a:t>
+            </a:r>
+            <a:r>
+              <a:rPr lang="ru-RU" sz="1200" dirty="0" smtClean="0"/>
+              <a:t>метод </a:t>
+            </a:r>
+            <a:r>
+              <a:rPr lang="ru-RU" sz="1200" dirty="0"/>
+              <a:t>применяется </a:t>
+            </a:r>
+            <a:r>
+              <a:rPr lang="ru-RU" sz="1200" dirty="0" smtClean="0"/>
+              <a:t>для </a:t>
+            </a:r>
+            <a:r>
+              <a:rPr lang="ru-RU" sz="1200" dirty="0"/>
+              <a:t>выделения контуров на изображении </a:t>
+            </a:r>
+            <a:r>
+              <a:rPr lang="ru-RU" sz="1200" dirty="0" smtClean="0"/>
+              <a:t>и </a:t>
+            </a:r>
+            <a:r>
+              <a:rPr lang="ru-RU" sz="1200" dirty="0"/>
+              <a:t>поиска нужных </a:t>
+            </a:r>
+            <a:r>
+              <a:rPr lang="ru-RU" sz="1200" dirty="0" smtClean="0"/>
+              <a:t>объектов, что минимизирует объем предаваемой </a:t>
+            </a:r>
+            <a:r>
+              <a:rPr lang="ru-RU" sz="1200" dirty="0" err="1" smtClean="0"/>
+              <a:t>иниформации</a:t>
+            </a:r>
+            <a:endParaRPr lang="ru-RU" sz="1200" dirty="0" smtClean="0"/>
+          </a:p>
+          <a:p>
+            <a:endParaRPr lang="ru-RU" sz="1200" dirty="0"/>
+          </a:p>
+          <a:p>
+            <a:r>
+              <a:rPr lang="ru-RU" sz="1200" b="1" dirty="0"/>
+              <a:t>cv2.cvtColor()</a:t>
+            </a:r>
+            <a:r>
+              <a:rPr lang="ru-RU" sz="1200" dirty="0"/>
+              <a:t> </a:t>
+            </a:r>
+            <a:r>
+              <a:rPr lang="ru-RU" sz="1200" dirty="0" smtClean="0"/>
+              <a:t> - метод </a:t>
+            </a:r>
+            <a:r>
+              <a:rPr lang="ru-RU" sz="1200" dirty="0"/>
+              <a:t>применяется </a:t>
+            </a:r>
+            <a:r>
+              <a:rPr lang="ru-RU" sz="1200" dirty="0" smtClean="0"/>
+              <a:t>для </a:t>
+            </a:r>
+            <a:r>
+              <a:rPr lang="ru-RU" sz="1200" dirty="0"/>
+              <a:t>перевода изображения в оттенки </a:t>
+            </a:r>
+            <a:r>
+              <a:rPr lang="ru-RU" sz="1200" dirty="0" smtClean="0"/>
+              <a:t>серого, что уменьшает </a:t>
+            </a:r>
+            <a:r>
+              <a:rPr lang="ru-RU" sz="1200" dirty="0"/>
+              <a:t>объем данных.</a:t>
+            </a:r>
+          </a:p>
+          <a:p>
             <a:endParaRPr lang="ru-RU" sz="1200" dirty="0"/>
           </a:p>
         </p:txBody>
@@ -18566,8 +20478,8 @@
         </p:nvSpPr>
         <p:spPr>
           <a:xfrm>
-            <a:off x="311699" y="1030431"/>
-            <a:ext cx="8453681" cy="2223655"/>
+            <a:off x="286050" y="759501"/>
+            <a:ext cx="8453681" cy="4062620"/>
           </a:xfrm>
           <a:prstGeom prst="rect">
             <a:avLst/>
@@ -18604,9 +20516,10 @@
               <a:t>логирования</a:t>
             </a:r>
             <a:r>
-              <a:rPr lang="ru-RU" sz="1200" dirty="0"/>
-              <a:t>.</a:t>
-            </a:r>
+              <a:rPr lang="ru-RU" sz="1200" dirty="0" smtClean="0"/>
+              <a:t>. Нахождение ошибок, правильность логики кода.</a:t>
+            </a:r>
+            <a:endParaRPr lang="ru-RU" sz="1200" dirty="0"/>
           </a:p>
           <a:p>
             <a:endParaRPr lang="ru-RU" sz="1200" u="none" strike="noStrike" cap="none" dirty="0" smtClean="0">
@@ -18620,9 +20533,66 @@
             </a:endParaRPr>
           </a:p>
           <a:p>
-            <a:endParaRPr lang="ru-RU" sz="1200" u="none" strike="noStrike" cap="none" dirty="0" smtClean="0">
+            <a:r>
+              <a:rPr lang="ru-RU" sz="1200" b="1" dirty="0" smtClean="0">
+                <a:solidFill>
+                  <a:schemeClr val="tx1"/>
+                </a:solidFill>
+                <a:latin typeface="+mn-lt"/>
+                <a:ea typeface="Montserrat"/>
+                <a:cs typeface="Montserrat"/>
+                <a:sym typeface="Montserrat"/>
+              </a:rPr>
+              <a:t>Сервер</a:t>
+            </a:r>
+            <a:r>
+              <a:rPr lang="en-US" sz="1200" b="1" dirty="0" smtClean="0">
+                <a:solidFill>
+                  <a:schemeClr val="tx1"/>
+                </a:solidFill>
+                <a:latin typeface="+mn-lt"/>
+                <a:ea typeface="Montserrat"/>
+                <a:cs typeface="Montserrat"/>
+                <a:sym typeface="Montserrat"/>
+              </a:rPr>
+              <a:t> </a:t>
+            </a:r>
+            <a:r>
+              <a:rPr lang="ru-RU" sz="1200" dirty="0" smtClean="0">
+                <a:solidFill>
+                  <a:schemeClr val="tx1"/>
+                </a:solidFill>
+                <a:ea typeface="Montserrat"/>
+                <a:cs typeface="Montserrat"/>
+                <a:sym typeface="Montserrat"/>
+              </a:rPr>
+              <a:t>– </a:t>
+            </a:r>
+            <a:r>
+              <a:rPr lang="en-US" sz="1200" dirty="0">
+                <a:solidFill>
+                  <a:schemeClr val="tx1"/>
+                </a:solidFill>
+                <a:ea typeface="Montserrat"/>
+                <a:cs typeface="Montserrat"/>
+                <a:sym typeface="Montserrat"/>
+              </a:rPr>
+              <a:t>Python (Flask)</a:t>
+            </a:r>
+            <a:r>
+              <a:rPr lang="ru-RU" sz="1200" dirty="0" smtClean="0">
+                <a:solidFill>
+                  <a:schemeClr val="tx1"/>
+                </a:solidFill>
+                <a:ea typeface="Montserrat"/>
+                <a:cs typeface="Montserrat"/>
+                <a:sym typeface="Montserrat"/>
+              </a:rPr>
+              <a:t>:</a:t>
+            </a:r>
+            <a:endParaRPr lang="ru-RU" sz="1200" b="1" dirty="0" smtClean="0">
               <a:solidFill>
-                <a:srgbClr val="11696D"/>
+                <a:schemeClr val="tx1"/>
               </a:solidFill>
               <a:latin typeface="+mn-lt"/>
               <a:ea typeface="Montserrat"/>
@@ -18631,9 +20601,197 @@
             </a:endParaRPr>
           </a:p>
           <a:p>
-            <a:endParaRPr lang="ru-RU" sz="1200" dirty="0">
+            <a:r>
+              <a:rPr lang="ru-RU" sz="1000" b="1" dirty="0" smtClean="0">
+                <a:solidFill>
+                  <a:srgbClr val="0070C0"/>
+                </a:solidFill>
+                <a:latin typeface="+mn-lt"/>
+                <a:ea typeface="Montserrat"/>
+                <a:cs typeface="Montserrat"/>
+                <a:sym typeface="Montserrat"/>
+              </a:rPr>
+              <a:t>…</a:t>
+            </a:r>
+          </a:p>
+          <a:p>
+            <a:r>
+              <a:rPr lang="en-US" sz="1000" dirty="0">
+                <a:solidFill>
+                  <a:srgbClr val="0070C0"/>
+                </a:solidFill>
+                <a:latin typeface="+mn-lt"/>
+                <a:ea typeface="Montserrat"/>
+                <a:cs typeface="Montserrat"/>
+                <a:sym typeface="Montserrat"/>
+              </a:rPr>
+              <a:t>INFO:werkzeug:127.0.0.1 - - [09/Sep/2024 19:45:06] "POST /alert HTTP/1.1" 200 -</a:t>
+            </a:r>
+          </a:p>
+          <a:p>
+            <a:r>
+              <a:rPr lang="en-US" sz="1000" dirty="0" err="1">
+                <a:solidFill>
+                  <a:srgbClr val="0070C0"/>
+                </a:solidFill>
+                <a:latin typeface="+mn-lt"/>
+                <a:ea typeface="Montserrat"/>
+                <a:cs typeface="Montserrat"/>
+                <a:sym typeface="Montserrat"/>
+              </a:rPr>
+              <a:t>INFO:root</a:t>
+            </a:r>
+            <a:r>
+              <a:rPr lang="en-US" sz="1000" dirty="0">
+                <a:solidFill>
+                  <a:srgbClr val="0070C0"/>
+                </a:solidFill>
+                <a:latin typeface="+mn-lt"/>
+                <a:ea typeface="Montserrat"/>
+                <a:cs typeface="Montserrat"/>
+                <a:sym typeface="Montserrat"/>
+              </a:rPr>
+              <a:t>:</a:t>
+            </a:r>
+            <a:r>
+              <a:rPr lang="ru-RU" sz="1000" dirty="0">
+                <a:solidFill>
+                  <a:srgbClr val="0070C0"/>
+                </a:solidFill>
+                <a:latin typeface="+mn-lt"/>
+                <a:ea typeface="Montserrat"/>
+                <a:cs typeface="Montserrat"/>
+                <a:sym typeface="Montserrat"/>
+              </a:rPr>
+              <a:t>Получен статус </a:t>
+            </a:r>
+            <a:r>
+              <a:rPr lang="ru-RU" sz="1000" dirty="0" err="1">
+                <a:solidFill>
+                  <a:srgbClr val="0070C0"/>
+                </a:solidFill>
+                <a:latin typeface="+mn-lt"/>
+                <a:ea typeface="Montserrat"/>
+                <a:cs typeface="Montserrat"/>
+                <a:sym typeface="Montserrat"/>
+              </a:rPr>
+              <a:t>тостояния</a:t>
+            </a:r>
+            <a:r>
+              <a:rPr lang="ru-RU" sz="1000" dirty="0">
+                <a:solidFill>
+                  <a:srgbClr val="0070C0"/>
+                </a:solidFill>
+                <a:latin typeface="+mn-lt"/>
+                <a:ea typeface="Montserrat"/>
+                <a:cs typeface="Montserrat"/>
+                <a:sym typeface="Montserrat"/>
+              </a:rPr>
+              <a:t> от дрона: {'</a:t>
+            </a:r>
+            <a:r>
+              <a:rPr lang="en-US" sz="1000" dirty="0">
+                <a:solidFill>
+                  <a:srgbClr val="0070C0"/>
+                </a:solidFill>
+                <a:latin typeface="+mn-lt"/>
+                <a:ea typeface="Montserrat"/>
+                <a:cs typeface="Montserrat"/>
+                <a:sym typeface="Montserrat"/>
+              </a:rPr>
+              <a:t>message': '</a:t>
+            </a:r>
+            <a:r>
+              <a:rPr lang="ru-RU" sz="1000" dirty="0">
+                <a:solidFill>
+                  <a:srgbClr val="0070C0"/>
+                </a:solidFill>
+                <a:latin typeface="+mn-lt"/>
+                <a:ea typeface="Montserrat"/>
+                <a:cs typeface="Montserrat"/>
+                <a:sym typeface="Montserrat"/>
+              </a:rPr>
+              <a:t>Я в воздухе.'}</a:t>
+            </a:r>
+          </a:p>
+          <a:p>
+            <a:r>
+              <a:rPr lang="en-US" sz="1000" dirty="0" err="1">
+                <a:solidFill>
+                  <a:srgbClr val="0070C0"/>
+                </a:solidFill>
+                <a:latin typeface="+mn-lt"/>
+                <a:ea typeface="Montserrat"/>
+                <a:cs typeface="Montserrat"/>
+                <a:sym typeface="Montserrat"/>
+              </a:rPr>
+              <a:t>INFO:root</a:t>
+            </a:r>
+            <a:r>
+              <a:rPr lang="en-US" sz="1000" dirty="0">
+                <a:solidFill>
+                  <a:srgbClr val="0070C0"/>
+                </a:solidFill>
+                <a:latin typeface="+mn-lt"/>
+                <a:ea typeface="Montserrat"/>
+                <a:cs typeface="Montserrat"/>
+                <a:sym typeface="Montserrat"/>
+              </a:rPr>
+              <a:t>:</a:t>
+            </a:r>
+            <a:r>
+              <a:rPr lang="ru-RU" sz="1000" dirty="0">
+                <a:solidFill>
+                  <a:srgbClr val="0070C0"/>
+                </a:solidFill>
+                <a:latin typeface="+mn-lt"/>
+                <a:ea typeface="Montserrat"/>
+                <a:cs typeface="Montserrat"/>
+                <a:sym typeface="Montserrat"/>
+              </a:rPr>
+              <a:t>Выбрана </a:t>
+            </a:r>
+            <a:r>
+              <a:rPr lang="ru-RU" sz="1000" dirty="0" err="1">
+                <a:solidFill>
+                  <a:srgbClr val="0070C0"/>
+                </a:solidFill>
+                <a:latin typeface="+mn-lt"/>
+                <a:ea typeface="Montserrat"/>
+                <a:cs typeface="Montserrat"/>
+                <a:sym typeface="Montserrat"/>
+              </a:rPr>
+              <a:t>стратеия</a:t>
+            </a:r>
+            <a:r>
+              <a:rPr lang="ru-RU" sz="1000" dirty="0">
+                <a:solidFill>
+                  <a:srgbClr val="0070C0"/>
+                </a:solidFill>
+                <a:latin typeface="+mn-lt"/>
+                <a:ea typeface="Montserrat"/>
+                <a:cs typeface="Montserrat"/>
+                <a:sym typeface="Montserrat"/>
+              </a:rPr>
+              <a:t>: "Изменение маршрута"</a:t>
+            </a:r>
+          </a:p>
+          <a:p>
+            <a:r>
+              <a:rPr lang="ru-RU" sz="1000" dirty="0" smtClean="0">
+                <a:solidFill>
+                  <a:srgbClr val="0070C0"/>
+                </a:solidFill>
+                <a:latin typeface="+mn-lt"/>
+                <a:ea typeface="Montserrat"/>
+                <a:cs typeface="Montserrat"/>
+                <a:sym typeface="Montserrat"/>
+              </a:rPr>
+              <a:t>…</a:t>
+            </a:r>
+            <a:endParaRPr lang="ru-RU" sz="1000" u="none" strike="noStrike" cap="none" dirty="0" smtClean="0">
               <a:solidFill>
-                <a:srgbClr val="11696D"/>
+                <a:srgbClr val="0070C0"/>
               </a:solidFill>
               <a:latin typeface="+mn-lt"/>
               <a:ea typeface="Montserrat"/>
@@ -18642,9 +20800,57 @@
             </a:endParaRPr>
           </a:p>
           <a:p>
-            <a:endParaRPr lang="ru-RU" sz="1200" u="none" strike="noStrike" cap="none" dirty="0" smtClean="0">
+            <a:r>
+              <a:rPr lang="ru-RU" sz="1200" b="1" dirty="0" smtClean="0">
+                <a:solidFill>
+                  <a:schemeClr val="tx1"/>
+                </a:solidFill>
+                <a:latin typeface="+mn-lt"/>
+                <a:ea typeface="Montserrat"/>
+                <a:cs typeface="Montserrat"/>
+                <a:sym typeface="Montserrat"/>
+              </a:rPr>
+              <a:t>Дрон </a:t>
+            </a:r>
+            <a:r>
+              <a:rPr lang="ru-RU" sz="1200" dirty="0" smtClean="0">
+                <a:solidFill>
+                  <a:schemeClr val="tx1"/>
+                </a:solidFill>
+                <a:latin typeface="+mn-lt"/>
+                <a:ea typeface="Montserrat"/>
+                <a:cs typeface="Montserrat"/>
+                <a:sym typeface="Montserrat"/>
+              </a:rPr>
+              <a:t>– </a:t>
+            </a:r>
+            <a:r>
+              <a:rPr lang="en-US" sz="1200" dirty="0" smtClean="0">
+                <a:solidFill>
+                  <a:schemeClr val="tx1"/>
+                </a:solidFill>
+                <a:latin typeface="+mn-lt"/>
+                <a:ea typeface="Montserrat"/>
+                <a:cs typeface="Montserrat"/>
+                <a:sym typeface="Montserrat"/>
+              </a:rPr>
+              <a:t>Python (Flask)</a:t>
+            </a:r>
+            <a:r>
+              <a:rPr lang="ru-RU" sz="1200" dirty="0" smtClean="0">
+                <a:solidFill>
+                  <a:schemeClr val="tx1"/>
+                </a:solidFill>
+                <a:latin typeface="+mn-lt"/>
+                <a:ea typeface="Montserrat"/>
+                <a:cs typeface="Montserrat"/>
+                <a:sym typeface="Montserrat"/>
+              </a:rPr>
+              <a:t>:</a:t>
+            </a:r>
+            <a:endParaRPr lang="ru-RU" sz="1200" dirty="0">
               <a:solidFill>
-                <a:srgbClr val="11696D"/>
+                <a:schemeClr val="tx1"/>
               </a:solidFill>
               <a:latin typeface="+mn-lt"/>
               <a:ea typeface="Montserrat"/>
@@ -18653,9 +20859,277 @@
             </a:endParaRPr>
           </a:p>
           <a:p>
-            <a:endParaRPr lang="ru-RU" sz="1200" dirty="0">
+            <a:r>
+              <a:rPr lang="ru-RU" sz="1000" u="none" strike="noStrike" cap="none" dirty="0" smtClean="0">
+                <a:solidFill>
+                  <a:srgbClr val="0070C0"/>
+                </a:solidFill>
+                <a:latin typeface="+mn-lt"/>
+                <a:ea typeface="Montserrat"/>
+                <a:cs typeface="Montserrat"/>
+                <a:sym typeface="Montserrat"/>
+              </a:rPr>
+              <a:t>…</a:t>
+            </a:r>
+          </a:p>
+          <a:p>
+            <a:r>
+              <a:rPr lang="en-US" sz="1000" dirty="0">
+                <a:solidFill>
+                  <a:srgbClr val="0070C0"/>
+                </a:solidFill>
+                <a:latin typeface="+mn-lt"/>
+                <a:ea typeface="Montserrat"/>
+                <a:cs typeface="Montserrat"/>
+                <a:sym typeface="Montserrat"/>
+              </a:rPr>
+              <a:t>root - INFO - </a:t>
+            </a:r>
+            <a:r>
+              <a:rPr lang="ru-RU" sz="1000" dirty="0">
+                <a:solidFill>
+                  <a:srgbClr val="0070C0"/>
+                </a:solidFill>
+                <a:latin typeface="+mn-lt"/>
+                <a:ea typeface="Montserrat"/>
+                <a:cs typeface="Montserrat"/>
+                <a:sym typeface="Montserrat"/>
+              </a:rPr>
+              <a:t>Получен запрос о состоянии дрона</a:t>
+            </a:r>
+          </a:p>
+          <a:p>
+            <a:r>
+              <a:rPr lang="en-US" sz="1000" dirty="0" err="1">
+                <a:solidFill>
+                  <a:srgbClr val="0070C0"/>
+                </a:solidFill>
+                <a:latin typeface="+mn-lt"/>
+                <a:ea typeface="Montserrat"/>
+                <a:cs typeface="Montserrat"/>
+                <a:sym typeface="Montserrat"/>
+              </a:rPr>
+              <a:t>werkzeug</a:t>
+            </a:r>
+            <a:r>
+              <a:rPr lang="en-US" sz="1000" dirty="0">
+                <a:solidFill>
+                  <a:srgbClr val="0070C0"/>
+                </a:solidFill>
+                <a:latin typeface="+mn-lt"/>
+                <a:ea typeface="Montserrat"/>
+                <a:cs typeface="Montserrat"/>
+                <a:sym typeface="Montserrat"/>
+              </a:rPr>
+              <a:t> - INFO - 127.0.0.1 - - [09/Sep/2024 19:27:18] "GET /</a:t>
+            </a:r>
+            <a:r>
+              <a:rPr lang="en-US" sz="1000" dirty="0" err="1">
+                <a:solidFill>
+                  <a:srgbClr val="0070C0"/>
+                </a:solidFill>
+                <a:latin typeface="+mn-lt"/>
+                <a:ea typeface="Montserrat"/>
+                <a:cs typeface="Montserrat"/>
+                <a:sym typeface="Montserrat"/>
+              </a:rPr>
+              <a:t>drone_status</a:t>
+            </a:r>
+            <a:r>
+              <a:rPr lang="en-US" sz="1000" dirty="0">
+                <a:solidFill>
+                  <a:srgbClr val="0070C0"/>
+                </a:solidFill>
+                <a:latin typeface="+mn-lt"/>
+                <a:ea typeface="Montserrat"/>
+                <a:cs typeface="Montserrat"/>
+                <a:sym typeface="Montserrat"/>
+              </a:rPr>
+              <a:t> HTTP/1.1" 200 -</a:t>
+            </a:r>
+          </a:p>
+          <a:p>
+            <a:r>
+              <a:rPr lang="en-US" sz="1000" dirty="0">
+                <a:solidFill>
+                  <a:srgbClr val="0070C0"/>
+                </a:solidFill>
+                <a:latin typeface="+mn-lt"/>
+                <a:ea typeface="Montserrat"/>
+                <a:cs typeface="Montserrat"/>
+                <a:sym typeface="Montserrat"/>
+              </a:rPr>
+              <a:t>root - INFO - </a:t>
+            </a:r>
+            <a:r>
+              <a:rPr lang="ru-RU" sz="1000" dirty="0">
+                <a:solidFill>
+                  <a:srgbClr val="0070C0"/>
+                </a:solidFill>
+                <a:latin typeface="+mn-lt"/>
+                <a:ea typeface="Montserrat"/>
+                <a:cs typeface="Montserrat"/>
+                <a:sym typeface="Montserrat"/>
+              </a:rPr>
+              <a:t>Получена команда на взлет.</a:t>
+            </a:r>
+          </a:p>
+          <a:p>
+            <a:r>
+              <a:rPr lang="en-US" sz="1000" dirty="0" err="1">
+                <a:solidFill>
+                  <a:srgbClr val="0070C0"/>
+                </a:solidFill>
+                <a:latin typeface="+mn-lt"/>
+                <a:ea typeface="Montserrat"/>
+                <a:cs typeface="Montserrat"/>
+                <a:sym typeface="Montserrat"/>
+              </a:rPr>
+              <a:t>werkzeug</a:t>
+            </a:r>
+            <a:r>
+              <a:rPr lang="en-US" sz="1000" dirty="0">
+                <a:solidFill>
+                  <a:srgbClr val="0070C0"/>
+                </a:solidFill>
+                <a:latin typeface="+mn-lt"/>
+                <a:ea typeface="Montserrat"/>
+                <a:cs typeface="Montserrat"/>
+                <a:sym typeface="Montserrat"/>
+              </a:rPr>
+              <a:t> - INFO - 127.0.0.1 - - [09/Sep/2024 19:27:18] "POST /takeoff HTTP/1.1" 200 -</a:t>
+            </a:r>
+          </a:p>
+          <a:p>
+            <a:r>
+              <a:rPr lang="en-US" sz="1000" dirty="0">
+                <a:solidFill>
+                  <a:srgbClr val="0070C0"/>
+                </a:solidFill>
+                <a:latin typeface="+mn-lt"/>
+                <a:ea typeface="Montserrat"/>
+                <a:cs typeface="Montserrat"/>
+                <a:sym typeface="Montserrat"/>
+              </a:rPr>
+              <a:t>root - INFO - </a:t>
+            </a:r>
+            <a:r>
+              <a:rPr lang="ru-RU" sz="1000" dirty="0">
+                <a:solidFill>
+                  <a:srgbClr val="0070C0"/>
+                </a:solidFill>
+                <a:latin typeface="+mn-lt"/>
+                <a:ea typeface="Montserrat"/>
+                <a:cs typeface="Montserrat"/>
+                <a:sym typeface="Montserrat"/>
+              </a:rPr>
+              <a:t>Получена команда двигаться вперед.</a:t>
+            </a:r>
+          </a:p>
+          <a:p>
+            <a:r>
+              <a:rPr lang="en-US" sz="1000" dirty="0" err="1">
+                <a:solidFill>
+                  <a:srgbClr val="0070C0"/>
+                </a:solidFill>
+                <a:latin typeface="+mn-lt"/>
+                <a:ea typeface="Montserrat"/>
+                <a:cs typeface="Montserrat"/>
+                <a:sym typeface="Montserrat"/>
+              </a:rPr>
+              <a:t>werkzeug</a:t>
+            </a:r>
+            <a:r>
+              <a:rPr lang="en-US" sz="1000" dirty="0">
+                <a:solidFill>
+                  <a:srgbClr val="0070C0"/>
+                </a:solidFill>
+                <a:latin typeface="+mn-lt"/>
+                <a:ea typeface="Montserrat"/>
+                <a:cs typeface="Montserrat"/>
+                <a:sym typeface="Montserrat"/>
+              </a:rPr>
+              <a:t> - INFO - 127.0.0.1 - - [09/Sep/2024 19:27:18] "POST /</a:t>
+            </a:r>
+            <a:r>
+              <a:rPr lang="en-US" sz="1000" dirty="0" err="1">
+                <a:solidFill>
+                  <a:srgbClr val="0070C0"/>
+                </a:solidFill>
+                <a:latin typeface="+mn-lt"/>
+                <a:ea typeface="Montserrat"/>
+                <a:cs typeface="Montserrat"/>
+                <a:sym typeface="Montserrat"/>
+              </a:rPr>
+              <a:t>move_forward</a:t>
+            </a:r>
+            <a:r>
+              <a:rPr lang="en-US" sz="1000" dirty="0">
+                <a:solidFill>
+                  <a:srgbClr val="0070C0"/>
+                </a:solidFill>
+                <a:latin typeface="+mn-lt"/>
+                <a:ea typeface="Montserrat"/>
+                <a:cs typeface="Montserrat"/>
+                <a:sym typeface="Montserrat"/>
+              </a:rPr>
+              <a:t> HTTP/1.1" 200 -</a:t>
+            </a:r>
+          </a:p>
+          <a:p>
+            <a:r>
+              <a:rPr lang="en-US" sz="1000" dirty="0">
+                <a:solidFill>
+                  <a:srgbClr val="0070C0"/>
+                </a:solidFill>
+                <a:latin typeface="+mn-lt"/>
+                <a:ea typeface="Montserrat"/>
+                <a:cs typeface="Montserrat"/>
+                <a:sym typeface="Montserrat"/>
+              </a:rPr>
+              <a:t>root - INFO - </a:t>
+            </a:r>
+            <a:r>
+              <a:rPr lang="ru-RU" sz="1000" dirty="0">
+                <a:solidFill>
+                  <a:srgbClr val="0070C0"/>
+                </a:solidFill>
+                <a:latin typeface="+mn-lt"/>
+                <a:ea typeface="Montserrat"/>
+                <a:cs typeface="Montserrat"/>
+                <a:sym typeface="Montserrat"/>
+              </a:rPr>
+              <a:t>Получен запрос о состоянии </a:t>
+            </a:r>
+            <a:r>
+              <a:rPr lang="ru-RU" sz="1000" dirty="0" smtClean="0">
+                <a:solidFill>
+                  <a:srgbClr val="0070C0"/>
+                </a:solidFill>
+                <a:latin typeface="+mn-lt"/>
+                <a:ea typeface="Montserrat"/>
+                <a:cs typeface="Montserrat"/>
+                <a:sym typeface="Montserrat"/>
+              </a:rPr>
+              <a:t>дрона</a:t>
+            </a:r>
+          </a:p>
+          <a:p>
+            <a:r>
+              <a:rPr lang="ru-RU" sz="1000" u="none" strike="noStrike" cap="none" dirty="0" smtClean="0">
+                <a:solidFill>
+                  <a:srgbClr val="0070C0"/>
+                </a:solidFill>
+                <a:latin typeface="+mn-lt"/>
+                <a:ea typeface="Montserrat"/>
+                <a:cs typeface="Montserrat"/>
+                <a:sym typeface="Montserrat"/>
+              </a:rPr>
+              <a:t>…</a:t>
+            </a:r>
+            <a:endParaRPr lang="ru-RU" sz="1000" u="none" strike="noStrike" cap="none" dirty="0" smtClean="0">
               <a:solidFill>
-                <a:srgbClr val="11696D"/>
+                <a:srgbClr val="0070C0"/>
               </a:solidFill>
               <a:latin typeface="+mn-lt"/>
               <a:ea typeface="Montserrat"/>
@@ -18664,55 +21138,139 @@
             </a:endParaRPr>
           </a:p>
           <a:p>
-            <a:endParaRPr lang="ru-RU" sz="1200" u="none" strike="noStrike" cap="none" dirty="0" smtClean="0">
+            <a:r>
+              <a:rPr lang="ru-RU" sz="1200" b="1" dirty="0" smtClean="0">
+                <a:solidFill>
+                  <a:schemeClr val="tx1"/>
+                </a:solidFill>
+                <a:latin typeface="+mn-lt"/>
+                <a:ea typeface="Montserrat"/>
+                <a:cs typeface="Montserrat"/>
+                <a:sym typeface="Montserrat"/>
+              </a:rPr>
+              <a:t>Камера:</a:t>
+            </a:r>
+          </a:p>
+          <a:p>
+            <a:r>
+              <a:rPr lang="ru-RU" sz="1000" dirty="0" smtClean="0">
+                <a:solidFill>
+                  <a:srgbClr val="0070C0"/>
+                </a:solidFill>
+                <a:latin typeface="+mn-lt"/>
+                <a:ea typeface="Montserrat"/>
+                <a:cs typeface="Montserrat"/>
+                <a:sym typeface="Montserrat"/>
+              </a:rPr>
+              <a:t>…</a:t>
+            </a:r>
+          </a:p>
+          <a:p>
+            <a:r>
+              <a:rPr lang="ru-RU" sz="1000" dirty="0" err="1">
+                <a:solidFill>
+                  <a:srgbClr val="0070C0"/>
+                </a:solidFill>
+                <a:latin typeface="+mn-lt"/>
+                <a:ea typeface="Montserrat"/>
+                <a:cs typeface="Montserrat"/>
+                <a:sym typeface="Montserrat"/>
+              </a:rPr>
+              <a:t>root</a:t>
+            </a:r>
+            <a:r>
+              <a:rPr lang="ru-RU" sz="1000" dirty="0">
+                <a:solidFill>
+                  <a:srgbClr val="0070C0"/>
+                </a:solidFill>
+                <a:latin typeface="+mn-lt"/>
+                <a:ea typeface="Montserrat"/>
+                <a:cs typeface="Montserrat"/>
+                <a:sym typeface="Montserrat"/>
+              </a:rPr>
+              <a:t> - INFO - Камера 0: Объект обнаружен</a:t>
+            </a:r>
+          </a:p>
+          <a:p>
+            <a:r>
+              <a:rPr lang="ru-RU" sz="1000" dirty="0" err="1">
+                <a:solidFill>
+                  <a:srgbClr val="0070C0"/>
+                </a:solidFill>
+                <a:latin typeface="+mn-lt"/>
+                <a:ea typeface="Montserrat"/>
+                <a:cs typeface="Montserrat"/>
+                <a:sym typeface="Montserrat"/>
+              </a:rPr>
+              <a:t>root</a:t>
+            </a:r>
+            <a:r>
+              <a:rPr lang="ru-RU" sz="1000" dirty="0">
+                <a:solidFill>
+                  <a:srgbClr val="0070C0"/>
+                </a:solidFill>
+                <a:latin typeface="+mn-lt"/>
+                <a:ea typeface="Montserrat"/>
+                <a:cs typeface="Montserrat"/>
+                <a:sym typeface="Montserrat"/>
+              </a:rPr>
+              <a:t> - INFO - Уведомление отправлено на сервер: {'</a:t>
+            </a:r>
+            <a:r>
+              <a:rPr lang="ru-RU" sz="1000" dirty="0" err="1">
+                <a:solidFill>
+                  <a:srgbClr val="0070C0"/>
+                </a:solidFill>
+                <a:latin typeface="+mn-lt"/>
+                <a:ea typeface="Montserrat"/>
+                <a:cs typeface="Montserrat"/>
+                <a:sym typeface="Montserrat"/>
+              </a:rPr>
+              <a:t>message</a:t>
+            </a:r>
+            <a:r>
+              <a:rPr lang="ru-RU" sz="1000" dirty="0">
+                <a:solidFill>
+                  <a:srgbClr val="0070C0"/>
+                </a:solidFill>
+                <a:latin typeface="+mn-lt"/>
+                <a:ea typeface="Montserrat"/>
+                <a:cs typeface="Montserrat"/>
+                <a:sym typeface="Montserrat"/>
+              </a:rPr>
+              <a:t>': 'Уведомление получено</a:t>
+            </a:r>
+            <a:r>
+              <a:rPr lang="ru-RU" sz="1000" dirty="0" smtClean="0">
+                <a:solidFill>
+                  <a:srgbClr val="0070C0"/>
+                </a:solidFill>
+                <a:latin typeface="+mn-lt"/>
+                <a:ea typeface="Montserrat"/>
+                <a:cs typeface="Montserrat"/>
+                <a:sym typeface="Montserrat"/>
+              </a:rPr>
+              <a:t>'}</a:t>
+            </a:r>
+          </a:p>
+          <a:p>
+            <a:r>
+              <a:rPr lang="ru-RU" sz="1000" dirty="0" smtClean="0">
+                <a:solidFill>
+                  <a:srgbClr val="0070C0"/>
+                </a:solidFill>
+                <a:latin typeface="+mn-lt"/>
+                <a:ea typeface="Montserrat"/>
+                <a:cs typeface="Montserrat"/>
+                <a:sym typeface="Montserrat"/>
+              </a:rPr>
+              <a:t>…</a:t>
+            </a:r>
+            <a:endParaRPr lang="ru-RU" sz="1000" dirty="0">
               <a:solidFill>
-                <a:srgbClr val="11696D"/>
+                <a:srgbClr val="0070C0"/>
               </a:solidFill>
               <a:latin typeface="+mn-lt"/>
-              <a:ea typeface="Montserrat"/>
-              <a:cs typeface="Montserrat"/>
-              <a:sym typeface="Montserrat"/>
-            </a:endParaRPr>
-          </a:p>
-          <a:p>
-            <a:endParaRPr lang="ru-RU" sz="1200" dirty="0">
-              <a:solidFill>
-                <a:srgbClr val="11696D"/>
-              </a:solidFill>
-              <a:latin typeface="+mn-lt"/>
-              <a:ea typeface="Montserrat"/>
-              <a:cs typeface="Montserrat"/>
-              <a:sym typeface="Montserrat"/>
-            </a:endParaRPr>
-          </a:p>
-          <a:p>
-            <a:endParaRPr lang="ru-RU" sz="1200" u="none" strike="noStrike" cap="none" dirty="0" smtClean="0">
-              <a:solidFill>
-                <a:srgbClr val="11696D"/>
-              </a:solidFill>
-              <a:latin typeface="+mn-lt"/>
-              <a:ea typeface="Montserrat"/>
-              <a:cs typeface="Montserrat"/>
-              <a:sym typeface="Montserrat"/>
-            </a:endParaRPr>
-          </a:p>
-          <a:p>
-            <a:endParaRPr lang="ru-RU" sz="1200" u="none" strike="noStrike" cap="none" dirty="0">
-              <a:solidFill>
-                <a:srgbClr val="11696D"/>
-              </a:solidFill>
-              <a:latin typeface="+mn-lt"/>
-              <a:ea typeface="Montserrat"/>
-              <a:cs typeface="Montserrat"/>
-              <a:sym typeface="Montserrat"/>
-            </a:endParaRPr>
-          </a:p>
-          <a:p>
-            <a:endParaRPr sz="1050" u="none" strike="noStrike" cap="none" dirty="0">
-              <a:solidFill>
-                <a:srgbClr val="11696D"/>
-              </a:solidFill>
-              <a:latin typeface="Montserrat"/>
               <a:ea typeface="Montserrat"/>
               <a:cs typeface="Montserrat"/>
               <a:sym typeface="Montserrat"/>
